--- a/notes/shiny.pptx
+++ b/notes/shiny.pptx
@@ -6,33 +6,28 @@
   </p:sldMasterIdLst>
   <p:sldIdLst>
     <p:sldId id="256" r:id="rId2"/>
-    <p:sldId id="257" r:id="rId3"/>
-    <p:sldId id="258" r:id="rId4"/>
-    <p:sldId id="259" r:id="rId5"/>
-    <p:sldId id="260" r:id="rId6"/>
-    <p:sldId id="261" r:id="rId7"/>
-    <p:sldId id="262" r:id="rId8"/>
-    <p:sldId id="263" r:id="rId9"/>
-    <p:sldId id="264" r:id="rId10"/>
-    <p:sldId id="265" r:id="rId11"/>
-    <p:sldId id="266" r:id="rId12"/>
-    <p:sldId id="267" r:id="rId13"/>
-    <p:sldId id="269" r:id="rId14"/>
-    <p:sldId id="268" r:id="rId15"/>
-    <p:sldId id="270" r:id="rId16"/>
-    <p:sldId id="271" r:id="rId17"/>
-    <p:sldId id="272" r:id="rId18"/>
-    <p:sldId id="273" r:id="rId19"/>
-    <p:sldId id="274" r:id="rId20"/>
-    <p:sldId id="275" r:id="rId21"/>
-    <p:sldId id="276" r:id="rId22"/>
-    <p:sldId id="278" r:id="rId23"/>
-    <p:sldId id="277" r:id="rId24"/>
-    <p:sldId id="279" r:id="rId25"/>
-    <p:sldId id="280" r:id="rId26"/>
-    <p:sldId id="281" r:id="rId27"/>
-    <p:sldId id="282" r:id="rId28"/>
-    <p:sldId id="283" r:id="rId29"/>
+    <p:sldId id="262" r:id="rId3"/>
+    <p:sldId id="263" r:id="rId4"/>
+    <p:sldId id="264" r:id="rId5"/>
+    <p:sldId id="265" r:id="rId6"/>
+    <p:sldId id="266" r:id="rId7"/>
+    <p:sldId id="267" r:id="rId8"/>
+    <p:sldId id="269" r:id="rId9"/>
+    <p:sldId id="268" r:id="rId10"/>
+    <p:sldId id="270" r:id="rId11"/>
+    <p:sldId id="271" r:id="rId12"/>
+    <p:sldId id="272" r:id="rId13"/>
+    <p:sldId id="273" r:id="rId14"/>
+    <p:sldId id="274" r:id="rId15"/>
+    <p:sldId id="275" r:id="rId16"/>
+    <p:sldId id="276" r:id="rId17"/>
+    <p:sldId id="278" r:id="rId18"/>
+    <p:sldId id="277" r:id="rId19"/>
+    <p:sldId id="279" r:id="rId20"/>
+    <p:sldId id="280" r:id="rId21"/>
+    <p:sldId id="281" r:id="rId22"/>
+    <p:sldId id="282" r:id="rId23"/>
+    <p:sldId id="283" r:id="rId24"/>
   </p:sldIdLst>
   <p:sldSz cx="9144000" cy="6858000" type="screen4x3"/>
   <p:notesSz cx="6858000" cy="9144000"/>
@@ -131,6 +126,22 @@
       </a:defRPr>
     </a:lvl9pPr>
   </p:defaultTextStyle>
+  <p:extLst>
+    <p:ext uri="{EFAFB233-063F-42B5-8137-9DF3F51BA10A}">
+      <p15:sldGuideLst xmlns:p15="http://schemas.microsoft.com/office/powerpoint/2012/main">
+        <p15:guide id="1" orient="horz" pos="2160">
+          <p15:clr>
+            <a:srgbClr val="A4A3A4"/>
+          </p15:clr>
+        </p15:guide>
+        <p15:guide id="2" pos="2880">
+          <p15:clr>
+            <a:srgbClr val="A4A3A4"/>
+          </p15:clr>
+        </p15:guide>
+      </p15:sldGuideLst>
+    </p:ext>
+  </p:extLst>
 </p:presentation>
 </file>
 
@@ -315,7 +326,7 @@
           <a:p>
             <a:fld id="{AD6D2B76-1515-A34C-8C10-6F89C080AAB9}" type="datetimeFigureOut">
               <a:rPr lang="en-US" smtClean="0"/>
-              <a:t>10/23/14</a:t>
+              <a:t>10/20/16</a:t>
             </a:fld>
             <a:endParaRPr lang="en-US"/>
           </a:p>
@@ -485,7 +496,7 @@
           <a:p>
             <a:fld id="{AD6D2B76-1515-A34C-8C10-6F89C080AAB9}" type="datetimeFigureOut">
               <a:rPr lang="en-US" smtClean="0"/>
-              <a:t>10/23/14</a:t>
+              <a:t>10/20/16</a:t>
             </a:fld>
             <a:endParaRPr lang="en-US"/>
           </a:p>
@@ -665,7 +676,7 @@
           <a:p>
             <a:fld id="{AD6D2B76-1515-A34C-8C10-6F89C080AAB9}" type="datetimeFigureOut">
               <a:rPr lang="en-US" smtClean="0"/>
-              <a:t>10/23/14</a:t>
+              <a:t>10/20/16</a:t>
             </a:fld>
             <a:endParaRPr lang="en-US"/>
           </a:p>
@@ -835,7 +846,7 @@
           <a:p>
             <a:fld id="{AD6D2B76-1515-A34C-8C10-6F89C080AAB9}" type="datetimeFigureOut">
               <a:rPr lang="en-US" smtClean="0"/>
-              <a:t>10/23/14</a:t>
+              <a:t>10/20/16</a:t>
             </a:fld>
             <a:endParaRPr lang="en-US"/>
           </a:p>
@@ -1081,7 +1092,7 @@
           <a:p>
             <a:fld id="{AD6D2B76-1515-A34C-8C10-6F89C080AAB9}" type="datetimeFigureOut">
               <a:rPr lang="en-US" smtClean="0"/>
-              <a:t>10/23/14</a:t>
+              <a:t>10/20/16</a:t>
             </a:fld>
             <a:endParaRPr lang="en-US"/>
           </a:p>
@@ -1369,7 +1380,7 @@
           <a:p>
             <a:fld id="{AD6D2B76-1515-A34C-8C10-6F89C080AAB9}" type="datetimeFigureOut">
               <a:rPr lang="en-US" smtClean="0"/>
-              <a:t>10/23/14</a:t>
+              <a:t>10/20/16</a:t>
             </a:fld>
             <a:endParaRPr lang="en-US"/>
           </a:p>
@@ -1791,7 +1802,7 @@
           <a:p>
             <a:fld id="{AD6D2B76-1515-A34C-8C10-6F89C080AAB9}" type="datetimeFigureOut">
               <a:rPr lang="en-US" smtClean="0"/>
-              <a:t>10/23/14</a:t>
+              <a:t>10/20/16</a:t>
             </a:fld>
             <a:endParaRPr lang="en-US"/>
           </a:p>
@@ -1909,7 +1920,7 @@
           <a:p>
             <a:fld id="{AD6D2B76-1515-A34C-8C10-6F89C080AAB9}" type="datetimeFigureOut">
               <a:rPr lang="en-US" smtClean="0"/>
-              <a:t>10/23/14</a:t>
+              <a:t>10/20/16</a:t>
             </a:fld>
             <a:endParaRPr lang="en-US"/>
           </a:p>
@@ -2004,7 +2015,7 @@
           <a:p>
             <a:fld id="{AD6D2B76-1515-A34C-8C10-6F89C080AAB9}" type="datetimeFigureOut">
               <a:rPr lang="en-US" smtClean="0"/>
-              <a:t>10/23/14</a:t>
+              <a:t>10/20/16</a:t>
             </a:fld>
             <a:endParaRPr lang="en-US"/>
           </a:p>
@@ -2281,7 +2292,7 @@
           <a:p>
             <a:fld id="{AD6D2B76-1515-A34C-8C10-6F89C080AAB9}" type="datetimeFigureOut">
               <a:rPr lang="en-US" smtClean="0"/>
-              <a:t>10/23/14</a:t>
+              <a:t>10/20/16</a:t>
             </a:fld>
             <a:endParaRPr lang="en-US"/>
           </a:p>
@@ -2534,7 +2545,7 @@
           <a:p>
             <a:fld id="{AD6D2B76-1515-A34C-8C10-6F89C080AAB9}" type="datetimeFigureOut">
               <a:rPr lang="en-US" smtClean="0"/>
-              <a:t>10/23/14</a:t>
+              <a:t>10/20/16</a:t>
             </a:fld>
             <a:endParaRPr lang="en-US"/>
           </a:p>
@@ -2747,7 +2758,7 @@
           <a:p>
             <a:fld id="{AD6D2B76-1515-A34C-8C10-6F89C080AAB9}" type="datetimeFigureOut">
               <a:rPr lang="en-US" smtClean="0"/>
-              <a:t>10/23/14</a:t>
+              <a:t>10/20/16</a:t>
             </a:fld>
             <a:endParaRPr lang="en-US"/>
           </a:p>
@@ -3181,7 +3192,7 @@
   <p:timing>
     <p:tnLst>
       <p:par>
-        <p:cTn xmlns:p14="http://schemas.microsoft.com/office/powerpoint/2010/main" id="1" dur="indefinite" restart="never" nodeType="tmRoot"/>
+        <p:cTn id="1" dur="indefinite" restart="never" nodeType="tmRoot"/>
       </p:par>
     </p:tnLst>
   </p:timing>
@@ -3222,782 +3233,6 @@
           <a:p>
             <a:r>
               <a:rPr lang="en-US" dirty="0" smtClean="0"/>
-              <a:t>A Shiny Project</a:t>
-            </a:r>
-            <a:endParaRPr lang="en-US" dirty="0"/>
-          </a:p>
-        </p:txBody>
-      </p:sp>
-      <p:sp>
-        <p:nvSpPr>
-          <p:cNvPr id="3" name="Content Placeholder 2"/>
-          <p:cNvSpPr>
-            <a:spLocks noGrp="1"/>
-          </p:cNvSpPr>
-          <p:nvPr>
-            <p:ph idx="1"/>
-          </p:nvPr>
-        </p:nvSpPr>
-        <p:spPr/>
-        <p:txBody>
-          <a:bodyPr/>
-          <a:lstStyle/>
-          <a:p>
-            <a:r>
-              <a:rPr lang="en-US" dirty="0" smtClean="0"/>
-              <a:t>The components/functions in the </a:t>
-            </a:r>
-            <a:r>
-              <a:rPr lang="en-US" dirty="0" err="1" smtClean="0"/>
-              <a:t>ui.R</a:t>
-            </a:r>
-            <a:r>
-              <a:rPr lang="en-US" dirty="0" smtClean="0"/>
-              <a:t> file communicate with the functions in the </a:t>
-            </a:r>
-            <a:r>
-              <a:rPr lang="en-US" dirty="0" err="1" smtClean="0"/>
-              <a:t>server.R</a:t>
-            </a:r>
-            <a:r>
-              <a:rPr lang="en-US" dirty="0" smtClean="0"/>
-              <a:t> file</a:t>
-            </a:r>
-          </a:p>
-          <a:p>
-            <a:r>
-              <a:rPr lang="en-US" dirty="0" smtClean="0"/>
-              <a:t>Communication is done by passing R objects back and forth in the background</a:t>
-            </a:r>
-          </a:p>
-          <a:p>
-            <a:r>
-              <a:rPr lang="en-US" dirty="0" smtClean="0"/>
-              <a:t>Communication depends on mutually agreed upon variable/object names</a:t>
-            </a:r>
-            <a:endParaRPr lang="en-US" dirty="0"/>
-          </a:p>
-        </p:txBody>
-      </p:sp>
-    </p:spTree>
-    <p:extLst>
-      <p:ext uri="{BB962C8B-B14F-4D97-AF65-F5344CB8AC3E}">
-        <p14:creationId xmlns:p14="http://schemas.microsoft.com/office/powerpoint/2010/main" val="3637265925"/>
-      </p:ext>
-    </p:extLst>
-  </p:cSld>
-  <p:clrMapOvr>
-    <a:masterClrMapping/>
-  </p:clrMapOvr>
-  <p:timing>
-    <p:tnLst>
-      <p:par>
-        <p:cTn xmlns:p14="http://schemas.microsoft.com/office/powerpoint/2010/main" id="1" dur="indefinite" restart="never" nodeType="tmRoot"/>
-      </p:par>
-    </p:tnLst>
-  </p:timing>
-</p:sld>
-</file>
-
-<file path=ppt/slides/slide11.xml><?xml version="1.0" encoding="utf-8"?>
-<p:sld xmlns:a="http://schemas.openxmlformats.org/drawingml/2006/main" xmlns:r="http://schemas.openxmlformats.org/officeDocument/2006/relationships" xmlns:p="http://schemas.openxmlformats.org/presentationml/2006/main">
-  <p:cSld>
-    <p:spTree>
-      <p:nvGrpSpPr>
-        <p:cNvPr id="1" name=""/>
-        <p:cNvGrpSpPr/>
-        <p:nvPr/>
-      </p:nvGrpSpPr>
-      <p:grpSpPr>
-        <a:xfrm>
-          <a:off x="0" y="0"/>
-          <a:ext cx="0" cy="0"/>
-          <a:chOff x="0" y="0"/>
-          <a:chExt cx="0" cy="0"/>
-        </a:xfrm>
-      </p:grpSpPr>
-      <p:sp>
-        <p:nvSpPr>
-          <p:cNvPr id="2" name="Title 1"/>
-          <p:cNvSpPr>
-            <a:spLocks noGrp="1"/>
-          </p:cNvSpPr>
-          <p:nvPr>
-            <p:ph type="title"/>
-          </p:nvPr>
-        </p:nvSpPr>
-        <p:spPr/>
-        <p:txBody>
-          <a:bodyPr/>
-          <a:lstStyle/>
-          <a:p>
-            <a:r>
-              <a:rPr lang="en-US" dirty="0" err="1" smtClean="0"/>
-              <a:t>ui.R</a:t>
-            </a:r>
-            <a:endParaRPr lang="en-US" dirty="0"/>
-          </a:p>
-        </p:txBody>
-      </p:sp>
-      <p:sp>
-        <p:nvSpPr>
-          <p:cNvPr id="3" name="Content Placeholder 2"/>
-          <p:cNvSpPr>
-            <a:spLocks noGrp="1"/>
-          </p:cNvSpPr>
-          <p:nvPr>
-            <p:ph idx="1"/>
-          </p:nvPr>
-        </p:nvSpPr>
-        <p:spPr/>
-        <p:txBody>
-          <a:bodyPr>
-            <a:normAutofit/>
-          </a:bodyPr>
-          <a:lstStyle/>
-          <a:p>
-            <a:pPr marL="0" indent="0">
-              <a:buNone/>
-            </a:pPr>
-            <a:r>
-              <a:rPr lang="en-US" sz="2000" dirty="0" smtClean="0">
-                <a:latin typeface="Courier"/>
-                <a:cs typeface="Courier"/>
-              </a:rPr>
-              <a:t>library(shiny)</a:t>
-            </a:r>
-          </a:p>
-          <a:p>
-            <a:pPr marL="0" indent="0">
-              <a:buNone/>
-            </a:pPr>
-            <a:endParaRPr lang="en-US" sz="2000" dirty="0" smtClean="0">
-              <a:latin typeface="Courier"/>
-              <a:cs typeface="Courier"/>
-            </a:endParaRPr>
-          </a:p>
-          <a:p>
-            <a:pPr marL="0" indent="0">
-              <a:buNone/>
-            </a:pPr>
-            <a:r>
-              <a:rPr lang="en-US" sz="2000" dirty="0" err="1" smtClean="0">
-                <a:latin typeface="Courier"/>
-                <a:cs typeface="Courier"/>
-              </a:rPr>
-              <a:t>shinyUI</a:t>
-            </a:r>
-            <a:r>
-              <a:rPr lang="en-US" sz="2000" dirty="0" smtClean="0">
-                <a:latin typeface="Courier"/>
-                <a:cs typeface="Courier"/>
-              </a:rPr>
-              <a:t>(</a:t>
-            </a:r>
-            <a:r>
-              <a:rPr lang="en-US" sz="2000" dirty="0" err="1" smtClean="0">
-                <a:latin typeface="Courier"/>
-                <a:cs typeface="Courier"/>
-              </a:rPr>
-              <a:t>fluidPage</a:t>
-            </a:r>
-            <a:r>
-              <a:rPr lang="en-US" sz="2000" dirty="0" smtClean="0">
-                <a:latin typeface="Courier"/>
-                <a:cs typeface="Courier"/>
-              </a:rPr>
-              <a:t>(</a:t>
-            </a:r>
-          </a:p>
-          <a:p>
-            <a:pPr marL="0" indent="0">
-              <a:buNone/>
-            </a:pPr>
-            <a:r>
-              <a:rPr lang="en-US" sz="2000" dirty="0" smtClean="0">
-                <a:latin typeface="Courier"/>
-                <a:cs typeface="Courier"/>
-              </a:rPr>
-              <a:t>        </a:t>
-            </a:r>
-            <a:r>
-              <a:rPr lang="en-US" sz="2000" dirty="0" err="1" smtClean="0">
-                <a:latin typeface="Courier"/>
-                <a:cs typeface="Courier"/>
-              </a:rPr>
-              <a:t>titlePanel</a:t>
-            </a:r>
-            <a:r>
-              <a:rPr lang="en-US" sz="2000" dirty="0" smtClean="0">
-                <a:latin typeface="Courier"/>
-                <a:cs typeface="Courier"/>
-              </a:rPr>
-              <a:t>(”Biostatistics </a:t>
-            </a:r>
-            <a:r>
-              <a:rPr lang="en-US" sz="2000" dirty="0" err="1" smtClean="0">
-                <a:latin typeface="Courier"/>
-                <a:cs typeface="Courier"/>
-              </a:rPr>
-              <a:t>Rulz</a:t>
-            </a:r>
-            <a:r>
-              <a:rPr lang="en-US" sz="2000" dirty="0" smtClean="0">
-                <a:latin typeface="Courier"/>
-                <a:cs typeface="Courier"/>
-              </a:rPr>
-              <a:t>!"),</a:t>
-            </a:r>
-          </a:p>
-          <a:p>
-            <a:pPr marL="0" indent="0">
-              <a:buNone/>
-            </a:pPr>
-            <a:r>
-              <a:rPr lang="en-US" sz="2000" dirty="0" smtClean="0">
-                <a:latin typeface="Courier"/>
-                <a:cs typeface="Courier"/>
-              </a:rPr>
-              <a:t>        </a:t>
-            </a:r>
-            <a:r>
-              <a:rPr lang="en-US" sz="2000" dirty="0" err="1" smtClean="0">
-                <a:latin typeface="Courier"/>
-                <a:cs typeface="Courier"/>
-              </a:rPr>
-              <a:t>sidebarPanel</a:t>
-            </a:r>
-            <a:r>
-              <a:rPr lang="en-US" sz="2000" dirty="0" smtClean="0">
-                <a:latin typeface="Courier"/>
-                <a:cs typeface="Courier"/>
-              </a:rPr>
-              <a:t>(</a:t>
-            </a:r>
-          </a:p>
-          <a:p>
-            <a:pPr marL="0" indent="0">
-              <a:buNone/>
-            </a:pPr>
-            <a:r>
-              <a:rPr lang="en-US" sz="2000" dirty="0" smtClean="0">
-                <a:latin typeface="Courier"/>
-                <a:cs typeface="Courier"/>
-              </a:rPr>
-              <a:t>                h3('Sidebar text')</a:t>
-            </a:r>
-          </a:p>
-          <a:p>
-            <a:pPr marL="0" indent="0">
-              <a:buNone/>
-            </a:pPr>
-            <a:r>
-              <a:rPr lang="en-US" sz="2000" dirty="0" smtClean="0">
-                <a:latin typeface="Courier"/>
-                <a:cs typeface="Courier"/>
-              </a:rPr>
-              <a:t>        ),</a:t>
-            </a:r>
-          </a:p>
-          <a:p>
-            <a:pPr marL="0" indent="0">
-              <a:buNone/>
-            </a:pPr>
-            <a:r>
-              <a:rPr lang="en-US" sz="2000" dirty="0" smtClean="0">
-                <a:latin typeface="Courier"/>
-                <a:cs typeface="Courier"/>
-              </a:rPr>
-              <a:t>        </a:t>
-            </a:r>
-            <a:r>
-              <a:rPr lang="en-US" sz="2000" dirty="0" err="1" smtClean="0">
-                <a:latin typeface="Courier"/>
-                <a:cs typeface="Courier"/>
-              </a:rPr>
-              <a:t>mainPanel</a:t>
-            </a:r>
-            <a:r>
-              <a:rPr lang="en-US" sz="2000" dirty="0" smtClean="0">
-                <a:latin typeface="Courier"/>
-                <a:cs typeface="Courier"/>
-              </a:rPr>
-              <a:t>(</a:t>
-            </a:r>
-          </a:p>
-          <a:p>
-            <a:pPr marL="0" indent="0">
-              <a:buNone/>
-            </a:pPr>
-            <a:r>
-              <a:rPr lang="en-US" sz="2000" dirty="0" smtClean="0">
-                <a:latin typeface="Courier"/>
-                <a:cs typeface="Courier"/>
-              </a:rPr>
-              <a:t>                h3('Main Panel text')</a:t>
-            </a:r>
-          </a:p>
-          <a:p>
-            <a:pPr marL="0" indent="0">
-              <a:buNone/>
-            </a:pPr>
-            <a:r>
-              <a:rPr lang="en-US" sz="2000" dirty="0" smtClean="0">
-                <a:latin typeface="Courier"/>
-                <a:cs typeface="Courier"/>
-              </a:rPr>
-              <a:t>        )</a:t>
-            </a:r>
-          </a:p>
-          <a:p>
-            <a:pPr marL="0" indent="0">
-              <a:buNone/>
-            </a:pPr>
-            <a:r>
-              <a:rPr lang="en-US" sz="2000" dirty="0" smtClean="0">
-                <a:latin typeface="Courier"/>
-                <a:cs typeface="Courier"/>
-              </a:rPr>
-              <a:t>))</a:t>
-            </a:r>
-            <a:endParaRPr lang="en-US" sz="2000" dirty="0">
-              <a:latin typeface="Courier"/>
-              <a:cs typeface="Courier"/>
-            </a:endParaRPr>
-          </a:p>
-        </p:txBody>
-      </p:sp>
-    </p:spTree>
-    <p:extLst>
-      <p:ext uri="{BB962C8B-B14F-4D97-AF65-F5344CB8AC3E}">
-        <p14:creationId xmlns:p14="http://schemas.microsoft.com/office/powerpoint/2010/main" val="3612649371"/>
-      </p:ext>
-    </p:extLst>
-  </p:cSld>
-  <p:clrMapOvr>
-    <a:masterClrMapping/>
-  </p:clrMapOvr>
-  <p:timing>
-    <p:tnLst>
-      <p:par>
-        <p:cTn xmlns:p14="http://schemas.microsoft.com/office/powerpoint/2010/main" id="1" dur="indefinite" restart="never" nodeType="tmRoot"/>
-      </p:par>
-    </p:tnLst>
-  </p:timing>
-</p:sld>
-</file>
-
-<file path=ppt/slides/slide12.xml><?xml version="1.0" encoding="utf-8"?>
-<p:sld xmlns:a="http://schemas.openxmlformats.org/drawingml/2006/main" xmlns:r="http://schemas.openxmlformats.org/officeDocument/2006/relationships" xmlns:p="http://schemas.openxmlformats.org/presentationml/2006/main">
-  <p:cSld>
-    <p:spTree>
-      <p:nvGrpSpPr>
-        <p:cNvPr id="1" name=""/>
-        <p:cNvGrpSpPr/>
-        <p:nvPr/>
-      </p:nvGrpSpPr>
-      <p:grpSpPr>
-        <a:xfrm>
-          <a:off x="0" y="0"/>
-          <a:ext cx="0" cy="0"/>
-          <a:chOff x="0" y="0"/>
-          <a:chExt cx="0" cy="0"/>
-        </a:xfrm>
-      </p:grpSpPr>
-      <p:sp>
-        <p:nvSpPr>
-          <p:cNvPr id="2" name="Title 1"/>
-          <p:cNvSpPr>
-            <a:spLocks noGrp="1"/>
-          </p:cNvSpPr>
-          <p:nvPr>
-            <p:ph type="title"/>
-          </p:nvPr>
-        </p:nvSpPr>
-        <p:spPr/>
-        <p:txBody>
-          <a:bodyPr/>
-          <a:lstStyle/>
-          <a:p>
-            <a:r>
-              <a:rPr lang="en-US" dirty="0" err="1" smtClean="0"/>
-              <a:t>server.R</a:t>
-            </a:r>
-            <a:endParaRPr lang="en-US" dirty="0"/>
-          </a:p>
-        </p:txBody>
-      </p:sp>
-      <p:sp>
-        <p:nvSpPr>
-          <p:cNvPr id="3" name="Content Placeholder 2"/>
-          <p:cNvSpPr>
-            <a:spLocks noGrp="1"/>
-          </p:cNvSpPr>
-          <p:nvPr>
-            <p:ph idx="1"/>
-          </p:nvPr>
-        </p:nvSpPr>
-        <p:spPr/>
-        <p:txBody>
-          <a:bodyPr>
-            <a:normAutofit/>
-          </a:bodyPr>
-          <a:lstStyle/>
-          <a:p>
-            <a:pPr marL="0" indent="0">
-              <a:buNone/>
-            </a:pPr>
-            <a:r>
-              <a:rPr lang="en-US" sz="2400" dirty="0" smtClean="0">
-                <a:latin typeface="Courier"/>
-                <a:cs typeface="Courier"/>
-              </a:rPr>
-              <a:t>library(shiny)</a:t>
-            </a:r>
-          </a:p>
-          <a:p>
-            <a:pPr marL="0" indent="0">
-              <a:buNone/>
-            </a:pPr>
-            <a:endParaRPr lang="en-US" sz="2400" dirty="0" smtClean="0">
-              <a:latin typeface="Courier"/>
-              <a:cs typeface="Courier"/>
-            </a:endParaRPr>
-          </a:p>
-          <a:p>
-            <a:pPr marL="0" indent="0">
-              <a:buNone/>
-            </a:pPr>
-            <a:r>
-              <a:rPr lang="en-US" sz="2400" dirty="0" err="1" smtClean="0">
-                <a:latin typeface="Courier"/>
-                <a:cs typeface="Courier"/>
-              </a:rPr>
-              <a:t>shinyServer</a:t>
-            </a:r>
-            <a:r>
-              <a:rPr lang="en-US" sz="2400" dirty="0" smtClean="0">
-                <a:latin typeface="Courier"/>
-                <a:cs typeface="Courier"/>
-              </a:rPr>
-              <a:t>(function(input, output) {</a:t>
-            </a:r>
-          </a:p>
-          <a:p>
-            <a:pPr marL="0" indent="0">
-              <a:buNone/>
-            </a:pPr>
-            <a:r>
-              <a:rPr lang="en-US" sz="2400" dirty="0" smtClean="0">
-                <a:latin typeface="Courier"/>
-                <a:cs typeface="Courier"/>
-              </a:rPr>
-              <a:t>	## Nothing for now</a:t>
-            </a:r>
-          </a:p>
-          <a:p>
-            <a:pPr marL="0" indent="0">
-              <a:buNone/>
-            </a:pPr>
-            <a:r>
-              <a:rPr lang="en-US" sz="2400" dirty="0" smtClean="0">
-                <a:latin typeface="Courier"/>
-                <a:cs typeface="Courier"/>
-              </a:rPr>
-              <a:t>})</a:t>
-            </a:r>
-          </a:p>
-          <a:p>
-            <a:pPr marL="0" indent="0">
-              <a:buNone/>
-            </a:pPr>
-            <a:endParaRPr lang="en-US" sz="2400" dirty="0" smtClean="0">
-              <a:latin typeface="Courier"/>
-              <a:cs typeface="Courier"/>
-            </a:endParaRPr>
-          </a:p>
-          <a:p>
-            <a:pPr marL="0" indent="0">
-              <a:buNone/>
-            </a:pPr>
-            <a:endParaRPr lang="en-US" sz="2400" dirty="0">
-              <a:latin typeface="Courier"/>
-              <a:cs typeface="Courier"/>
-            </a:endParaRPr>
-          </a:p>
-        </p:txBody>
-      </p:sp>
-    </p:spTree>
-    <p:extLst>
-      <p:ext uri="{BB962C8B-B14F-4D97-AF65-F5344CB8AC3E}">
-        <p14:creationId xmlns:p14="http://schemas.microsoft.com/office/powerpoint/2010/main" val="1214168349"/>
-      </p:ext>
-    </p:extLst>
-  </p:cSld>
-  <p:clrMapOvr>
-    <a:masterClrMapping/>
-  </p:clrMapOvr>
-  <p:timing>
-    <p:tnLst>
-      <p:par>
-        <p:cTn xmlns:p14="http://schemas.microsoft.com/office/powerpoint/2010/main" id="1" dur="indefinite" restart="never" nodeType="tmRoot"/>
-      </p:par>
-    </p:tnLst>
-  </p:timing>
-</p:sld>
-</file>
-
-<file path=ppt/slides/slide13.xml><?xml version="1.0" encoding="utf-8"?>
-<p:sld xmlns:a="http://schemas.openxmlformats.org/drawingml/2006/main" xmlns:r="http://schemas.openxmlformats.org/officeDocument/2006/relationships" xmlns:p="http://schemas.openxmlformats.org/presentationml/2006/main">
-  <p:cSld>
-    <p:spTree>
-      <p:nvGrpSpPr>
-        <p:cNvPr id="1" name=""/>
-        <p:cNvGrpSpPr/>
-        <p:nvPr/>
-      </p:nvGrpSpPr>
-      <p:grpSpPr>
-        <a:xfrm>
-          <a:off x="0" y="0"/>
-          <a:ext cx="0" cy="0"/>
-          <a:chOff x="0" y="0"/>
-          <a:chExt cx="0" cy="0"/>
-        </a:xfrm>
-      </p:grpSpPr>
-      <p:sp>
-        <p:nvSpPr>
-          <p:cNvPr id="2" name="Title 1"/>
-          <p:cNvSpPr>
-            <a:spLocks noGrp="1"/>
-          </p:cNvSpPr>
-          <p:nvPr>
-            <p:ph type="title"/>
-          </p:nvPr>
-        </p:nvSpPr>
-        <p:spPr/>
-        <p:txBody>
-          <a:bodyPr/>
-          <a:lstStyle/>
-          <a:p>
-            <a:r>
-              <a:rPr lang="en-US" dirty="0" smtClean="0"/>
-              <a:t>Run It!</a:t>
-            </a:r>
-            <a:endParaRPr lang="en-US" dirty="0"/>
-          </a:p>
-        </p:txBody>
-      </p:sp>
-      <p:sp>
-        <p:nvSpPr>
-          <p:cNvPr id="3" name="Content Placeholder 2"/>
-          <p:cNvSpPr>
-            <a:spLocks noGrp="1"/>
-          </p:cNvSpPr>
-          <p:nvPr>
-            <p:ph idx="1"/>
-          </p:nvPr>
-        </p:nvSpPr>
-        <p:spPr/>
-        <p:txBody>
-          <a:bodyPr/>
-          <a:lstStyle/>
-          <a:p>
-            <a:r>
-              <a:rPr lang="en-US" dirty="0" smtClean="0"/>
-              <a:t>In R, change to the directories with these files and type </a:t>
-            </a:r>
-            <a:r>
-              <a:rPr lang="en-US" dirty="0" err="1" smtClean="0">
-                <a:latin typeface="Courier"/>
-                <a:cs typeface="Courier"/>
-              </a:rPr>
-              <a:t>runApp</a:t>
-            </a:r>
-            <a:r>
-              <a:rPr lang="en-US" dirty="0" smtClean="0">
-                <a:latin typeface="Courier"/>
-                <a:cs typeface="Courier"/>
-              </a:rPr>
-              <a:t>()</a:t>
-            </a:r>
-          </a:p>
-          <a:p>
-            <a:r>
-              <a:rPr lang="en-US" dirty="0"/>
-              <a:t>O</a:t>
-            </a:r>
-            <a:r>
-              <a:rPr lang="en-US" dirty="0" smtClean="0"/>
-              <a:t>r put the path to the directory as an argument</a:t>
-            </a:r>
-          </a:p>
-          <a:p>
-            <a:r>
-              <a:rPr lang="en-US" dirty="0" smtClean="0"/>
-              <a:t>It should open an browser window with the app running</a:t>
-            </a:r>
-          </a:p>
-          <a:p>
-            <a:r>
-              <a:rPr lang="en-US" dirty="0" smtClean="0"/>
-              <a:t>In </a:t>
-            </a:r>
-            <a:r>
-              <a:rPr lang="en-US" dirty="0" err="1" smtClean="0"/>
-              <a:t>RStudio</a:t>
-            </a:r>
-            <a:r>
-              <a:rPr lang="en-US" dirty="0" smtClean="0"/>
-              <a:t> just click the “Run App” button</a:t>
-            </a:r>
-            <a:endParaRPr lang="en-US" dirty="0"/>
-          </a:p>
-        </p:txBody>
-      </p:sp>
-    </p:spTree>
-    <p:extLst>
-      <p:ext uri="{BB962C8B-B14F-4D97-AF65-F5344CB8AC3E}">
-        <p14:creationId xmlns:p14="http://schemas.microsoft.com/office/powerpoint/2010/main" val="1718487450"/>
-      </p:ext>
-    </p:extLst>
-  </p:cSld>
-  <p:clrMapOvr>
-    <a:masterClrMapping/>
-  </p:clrMapOvr>
-  <p:timing>
-    <p:tnLst>
-      <p:par>
-        <p:cTn xmlns:p14="http://schemas.microsoft.com/office/powerpoint/2010/main" id="1" dur="indefinite" restart="never" nodeType="tmRoot"/>
-      </p:par>
-    </p:tnLst>
-  </p:timing>
-</p:sld>
-</file>
-
-<file path=ppt/slides/slide14.xml><?xml version="1.0" encoding="utf-8"?>
-<p:sld xmlns:a="http://schemas.openxmlformats.org/drawingml/2006/main" xmlns:r="http://schemas.openxmlformats.org/officeDocument/2006/relationships" xmlns:p="http://schemas.openxmlformats.org/presentationml/2006/main">
-  <p:cSld>
-    <p:spTree>
-      <p:nvGrpSpPr>
-        <p:cNvPr id="1" name=""/>
-        <p:cNvGrpSpPr/>
-        <p:nvPr/>
-      </p:nvGrpSpPr>
-      <p:grpSpPr>
-        <a:xfrm>
-          <a:off x="0" y="0"/>
-          <a:ext cx="0" cy="0"/>
-          <a:chOff x="0" y="0"/>
-          <a:chExt cx="0" cy="0"/>
-        </a:xfrm>
-      </p:grpSpPr>
-      <p:sp>
-        <p:nvSpPr>
-          <p:cNvPr id="2" name="Title 1"/>
-          <p:cNvSpPr>
-            <a:spLocks noGrp="1"/>
-          </p:cNvSpPr>
-          <p:nvPr>
-            <p:ph type="title"/>
-          </p:nvPr>
-        </p:nvSpPr>
-        <p:spPr/>
-        <p:txBody>
-          <a:bodyPr/>
-          <a:lstStyle/>
-          <a:p>
-            <a:r>
-              <a:rPr lang="en-US" dirty="0" smtClean="0"/>
-              <a:t>Result</a:t>
-            </a:r>
-            <a:endParaRPr lang="en-US" dirty="0"/>
-          </a:p>
-        </p:txBody>
-      </p:sp>
-      <p:pic>
-        <p:nvPicPr>
-          <p:cNvPr id="4" name="Picture 3" descr="Screen Shot 2014-10-23 at 11.40.20 AM.png"/>
-          <p:cNvPicPr>
-            <a:picLocks noChangeAspect="1"/>
-          </p:cNvPicPr>
-          <p:nvPr/>
-        </p:nvPicPr>
-        <p:blipFill>
-          <a:blip r:embed="rId2">
-            <a:extLst>
-              <a:ext uri="{28A0092B-C50C-407E-A947-70E740481C1C}">
-                <a14:useLocalDpi xmlns:a14="http://schemas.microsoft.com/office/drawing/2010/main" val="0"/>
-              </a:ext>
-            </a:extLst>
-          </a:blip>
-          <a:stretch>
-            <a:fillRect/>
-          </a:stretch>
-        </p:blipFill>
-        <p:spPr>
-          <a:xfrm>
-            <a:off x="0" y="1665891"/>
-            <a:ext cx="9144000" cy="4319922"/>
-          </a:xfrm>
-          <a:prstGeom prst="rect">
-            <a:avLst/>
-          </a:prstGeom>
-        </p:spPr>
-      </p:pic>
-    </p:spTree>
-    <p:extLst>
-      <p:ext uri="{BB962C8B-B14F-4D97-AF65-F5344CB8AC3E}">
-        <p14:creationId xmlns:p14="http://schemas.microsoft.com/office/powerpoint/2010/main" val="113930028"/>
-      </p:ext>
-    </p:extLst>
-  </p:cSld>
-  <p:clrMapOvr>
-    <a:masterClrMapping/>
-  </p:clrMapOvr>
-  <p:timing>
-    <p:tnLst>
-      <p:par>
-        <p:cTn xmlns:p14="http://schemas.microsoft.com/office/powerpoint/2010/main" id="1" dur="indefinite" restart="never" nodeType="tmRoot"/>
-      </p:par>
-    </p:tnLst>
-  </p:timing>
-</p:sld>
-</file>
-
-<file path=ppt/slides/slide15.xml><?xml version="1.0" encoding="utf-8"?>
-<p:sld xmlns:a="http://schemas.openxmlformats.org/drawingml/2006/main" xmlns:r="http://schemas.openxmlformats.org/officeDocument/2006/relationships" xmlns:p="http://schemas.openxmlformats.org/presentationml/2006/main">
-  <p:cSld>
-    <p:spTree>
-      <p:nvGrpSpPr>
-        <p:cNvPr id="1" name=""/>
-        <p:cNvGrpSpPr/>
-        <p:nvPr/>
-      </p:nvGrpSpPr>
-      <p:grpSpPr>
-        <a:xfrm>
-          <a:off x="0" y="0"/>
-          <a:ext cx="0" cy="0"/>
-          <a:chOff x="0" y="0"/>
-          <a:chExt cx="0" cy="0"/>
-        </a:xfrm>
-      </p:grpSpPr>
-      <p:sp>
-        <p:nvSpPr>
-          <p:cNvPr id="2" name="Title 1"/>
-          <p:cNvSpPr>
-            <a:spLocks noGrp="1"/>
-          </p:cNvSpPr>
-          <p:nvPr>
-            <p:ph type="title"/>
-          </p:nvPr>
-        </p:nvSpPr>
-        <p:spPr/>
-        <p:txBody>
-          <a:bodyPr/>
-          <a:lstStyle/>
-          <a:p>
-            <a:r>
-              <a:rPr lang="en-US" dirty="0" smtClean="0"/>
               <a:t>Inputs</a:t>
             </a:r>
             <a:endParaRPr lang="en-US" dirty="0"/>
@@ -4331,14 +3566,14 @@
   <p:timing>
     <p:tnLst>
       <p:par>
-        <p:cTn xmlns:p14="http://schemas.microsoft.com/office/powerpoint/2010/main" id="1" dur="indefinite" restart="never" nodeType="tmRoot"/>
+        <p:cTn id="1" dur="indefinite" restart="never" nodeType="tmRoot"/>
       </p:par>
     </p:tnLst>
   </p:timing>
 </p:sld>
 </file>
 
-<file path=ppt/slides/slide16.xml><?xml version="1.0" encoding="utf-8"?>
+<file path=ppt/slides/slide11.xml><?xml version="1.0" encoding="utf-8"?>
 <p:sld xmlns:a="http://schemas.openxmlformats.org/drawingml/2006/main" xmlns:r="http://schemas.openxmlformats.org/officeDocument/2006/relationships" xmlns:p="http://schemas.openxmlformats.org/presentationml/2006/main">
   <p:cSld>
     <p:spTree>
@@ -4421,14 +3656,14 @@
   <p:timing>
     <p:tnLst>
       <p:par>
-        <p:cTn xmlns:p14="http://schemas.microsoft.com/office/powerpoint/2010/main" id="1" dur="indefinite" restart="never" nodeType="tmRoot"/>
+        <p:cTn id="1" dur="indefinite" restart="never" nodeType="tmRoot"/>
       </p:par>
     </p:tnLst>
   </p:timing>
 </p:sld>
 </file>
 
-<file path=ppt/slides/slide17.xml><?xml version="1.0" encoding="utf-8"?>
+<file path=ppt/slides/slide12.xml><?xml version="1.0" encoding="utf-8"?>
 <p:sld xmlns:a="http://schemas.openxmlformats.org/drawingml/2006/main" xmlns:r="http://schemas.openxmlformats.org/officeDocument/2006/relationships" xmlns:p="http://schemas.openxmlformats.org/presentationml/2006/main">
   <p:cSld>
     <p:spTree>
@@ -4511,14 +3746,14 @@
   <p:timing>
     <p:tnLst>
       <p:par>
-        <p:cTn xmlns:p14="http://schemas.microsoft.com/office/powerpoint/2010/main" id="1" dur="indefinite" restart="never" nodeType="tmRoot"/>
+        <p:cTn id="1" dur="indefinite" restart="never" nodeType="tmRoot"/>
       </p:par>
     </p:tnLst>
   </p:timing>
 </p:sld>
 </file>
 
-<file path=ppt/slides/slide18.xml><?xml version="1.0" encoding="utf-8"?>
+<file path=ppt/slides/slide13.xml><?xml version="1.0" encoding="utf-8"?>
 <p:sld xmlns:a="http://schemas.openxmlformats.org/drawingml/2006/main" xmlns:r="http://schemas.openxmlformats.org/officeDocument/2006/relationships" xmlns:p="http://schemas.openxmlformats.org/presentationml/2006/main">
   <p:cSld>
     <p:spTree>
@@ -5013,14 +4248,14 @@
   <p:timing>
     <p:tnLst>
       <p:par>
-        <p:cTn xmlns:p14="http://schemas.microsoft.com/office/powerpoint/2010/main" id="1" dur="indefinite" restart="never" nodeType="tmRoot"/>
+        <p:cTn id="1" dur="indefinite" restart="never" nodeType="tmRoot"/>
       </p:par>
     </p:tnLst>
   </p:timing>
 </p:sld>
 </file>
 
-<file path=ppt/slides/slide19.xml><?xml version="1.0" encoding="utf-8"?>
+<file path=ppt/slides/slide14.xml><?xml version="1.0" encoding="utf-8"?>
 <p:sld xmlns:a="http://schemas.openxmlformats.org/drawingml/2006/main" xmlns:r="http://schemas.openxmlformats.org/officeDocument/2006/relationships" xmlns:p="http://schemas.openxmlformats.org/presentationml/2006/main">
   <p:cSld>
     <p:spTree>
@@ -5103,126 +4338,14 @@
   <p:timing>
     <p:tnLst>
       <p:par>
-        <p:cTn xmlns:p14="http://schemas.microsoft.com/office/powerpoint/2010/main" id="1" dur="indefinite" restart="never" nodeType="tmRoot"/>
+        <p:cTn id="1" dur="indefinite" restart="never" nodeType="tmRoot"/>
       </p:par>
     </p:tnLst>
   </p:timing>
 </p:sld>
 </file>
 
-<file path=ppt/slides/slide2.xml><?xml version="1.0" encoding="utf-8"?>
-<p:sld xmlns:a="http://schemas.openxmlformats.org/drawingml/2006/main" xmlns:r="http://schemas.openxmlformats.org/officeDocument/2006/relationships" xmlns:p="http://schemas.openxmlformats.org/presentationml/2006/main">
-  <p:cSld>
-    <p:spTree>
-      <p:nvGrpSpPr>
-        <p:cNvPr id="1" name=""/>
-        <p:cNvGrpSpPr/>
-        <p:nvPr/>
-      </p:nvGrpSpPr>
-      <p:grpSpPr>
-        <a:xfrm>
-          <a:off x="0" y="0"/>
-          <a:ext cx="0" cy="0"/>
-          <a:chOff x="0" y="0"/>
-          <a:chExt cx="0" cy="0"/>
-        </a:xfrm>
-      </p:grpSpPr>
-      <p:sp>
-        <p:nvSpPr>
-          <p:cNvPr id="2" name="Title 1"/>
-          <p:cNvSpPr>
-            <a:spLocks noGrp="1"/>
-          </p:cNvSpPr>
-          <p:nvPr>
-            <p:ph type="title"/>
-          </p:nvPr>
-        </p:nvSpPr>
-        <p:spPr/>
-        <p:txBody>
-          <a:bodyPr/>
-          <a:lstStyle/>
-          <a:p>
-            <a:r>
-              <a:rPr lang="en-US" dirty="0" smtClean="0"/>
-              <a:t>Interactivity</a:t>
-            </a:r>
-            <a:endParaRPr lang="en-US" dirty="0"/>
-          </a:p>
-        </p:txBody>
-      </p:sp>
-      <p:sp>
-        <p:nvSpPr>
-          <p:cNvPr id="3" name="Content Placeholder 2"/>
-          <p:cNvSpPr>
-            <a:spLocks noGrp="1"/>
-          </p:cNvSpPr>
-          <p:nvPr>
-            <p:ph idx="1"/>
-          </p:nvPr>
-        </p:nvSpPr>
-        <p:spPr/>
-        <p:txBody>
-          <a:bodyPr/>
-          <a:lstStyle/>
-          <a:p>
-            <a:r>
-              <a:rPr lang="en-US" dirty="0" err="1" smtClean="0"/>
-              <a:t>RStudio</a:t>
-            </a:r>
-            <a:r>
-              <a:rPr lang="en-US" dirty="0" smtClean="0"/>
-              <a:t> provides two mechanisms for introducing interactivity in statistical models</a:t>
-            </a:r>
-          </a:p>
-          <a:p>
-            <a:r>
-              <a:rPr lang="en-US" b="1" dirty="0" smtClean="0"/>
-              <a:t>manipulate</a:t>
-            </a:r>
-            <a:r>
-              <a:rPr lang="en-US" dirty="0" smtClean="0"/>
-              <a:t>: A simple framework for making interactive plots; only works in </a:t>
-            </a:r>
-            <a:r>
-              <a:rPr lang="en-US" dirty="0" err="1" smtClean="0"/>
-              <a:t>RStudio</a:t>
-            </a:r>
-            <a:endParaRPr lang="en-US" dirty="0" smtClean="0"/>
-          </a:p>
-          <a:p>
-            <a:r>
-              <a:rPr lang="en-US" b="1" dirty="0" smtClean="0"/>
-              <a:t>shiny</a:t>
-            </a:r>
-            <a:r>
-              <a:rPr lang="en-US" dirty="0" smtClean="0"/>
-              <a:t>: A much more complex and feature-filled framework for developing and deploying interactive web apps</a:t>
-            </a:r>
-            <a:endParaRPr lang="en-US" dirty="0"/>
-          </a:p>
-        </p:txBody>
-      </p:sp>
-    </p:spTree>
-    <p:extLst>
-      <p:ext uri="{BB962C8B-B14F-4D97-AF65-F5344CB8AC3E}">
-        <p14:creationId xmlns:p14="http://schemas.microsoft.com/office/powerpoint/2010/main" val="3277150595"/>
-      </p:ext>
-    </p:extLst>
-  </p:cSld>
-  <p:clrMapOvr>
-    <a:masterClrMapping/>
-  </p:clrMapOvr>
-  <p:timing>
-    <p:tnLst>
-      <p:par>
-        <p:cTn xmlns:p14="http://schemas.microsoft.com/office/powerpoint/2010/main" id="1" dur="indefinite" restart="never" nodeType="tmRoot"/>
-      </p:par>
-    </p:tnLst>
-  </p:timing>
-</p:sld>
-</file>
-
-<file path=ppt/slides/slide20.xml><?xml version="1.0" encoding="utf-8"?>
+<file path=ppt/slides/slide15.xml><?xml version="1.0" encoding="utf-8"?>
 <p:sld xmlns:a="http://schemas.openxmlformats.org/drawingml/2006/main" xmlns:r="http://schemas.openxmlformats.org/officeDocument/2006/relationships" xmlns:p="http://schemas.openxmlformats.org/presentationml/2006/main">
   <p:cSld>
     <p:spTree>
@@ -5819,14 +4942,14 @@
   <p:timing>
     <p:tnLst>
       <p:par>
-        <p:cTn xmlns:p14="http://schemas.microsoft.com/office/powerpoint/2010/main" id="1" dur="indefinite" restart="never" nodeType="tmRoot"/>
+        <p:cTn id="1" dur="indefinite" restart="never" nodeType="tmRoot"/>
       </p:par>
     </p:tnLst>
   </p:timing>
 </p:sld>
 </file>
 
-<file path=ppt/slides/slide21.xml><?xml version="1.0" encoding="utf-8"?>
+<file path=ppt/slides/slide16.xml><?xml version="1.0" encoding="utf-8"?>
 <p:sld xmlns:a="http://schemas.openxmlformats.org/drawingml/2006/main" xmlns:r="http://schemas.openxmlformats.org/officeDocument/2006/relationships" xmlns:p="http://schemas.openxmlformats.org/presentationml/2006/main">
   <p:cSld>
     <p:spTree>
@@ -5909,14 +5032,14 @@
   <p:timing>
     <p:tnLst>
       <p:par>
-        <p:cTn xmlns:p14="http://schemas.microsoft.com/office/powerpoint/2010/main" id="1" dur="indefinite" restart="never" nodeType="tmRoot"/>
+        <p:cTn id="1" dur="indefinite" restart="never" nodeType="tmRoot"/>
       </p:par>
     </p:tnLst>
   </p:timing>
 </p:sld>
 </file>
 
-<file path=ppt/slides/slide22.xml><?xml version="1.0" encoding="utf-8"?>
+<file path=ppt/slides/slide17.xml><?xml version="1.0" encoding="utf-8"?>
 <p:sld xmlns:a="http://schemas.openxmlformats.org/drawingml/2006/main" xmlns:r="http://schemas.openxmlformats.org/officeDocument/2006/relationships" xmlns:p="http://schemas.openxmlformats.org/presentationml/2006/main">
   <p:cSld>
     <p:spTree>
@@ -6025,14 +5148,14 @@
   <p:timing>
     <p:tnLst>
       <p:par>
-        <p:cTn xmlns:p14="http://schemas.microsoft.com/office/powerpoint/2010/main" id="1" dur="indefinite" restart="never" nodeType="tmRoot"/>
+        <p:cTn id="1" dur="indefinite" restart="never" nodeType="tmRoot"/>
       </p:par>
     </p:tnLst>
   </p:timing>
 </p:sld>
 </file>
 
-<file path=ppt/slides/slide23.xml><?xml version="1.0" encoding="utf-8"?>
+<file path=ppt/slides/slide18.xml><?xml version="1.0" encoding="utf-8"?>
 <p:sld xmlns:a="http://schemas.openxmlformats.org/drawingml/2006/main" xmlns:r="http://schemas.openxmlformats.org/officeDocument/2006/relationships" xmlns:p="http://schemas.openxmlformats.org/presentationml/2006/main">
   <p:cSld>
     <p:spTree>
@@ -6405,14 +5528,14 @@
   <p:timing>
     <p:tnLst>
       <p:par>
-        <p:cTn xmlns:p14="http://schemas.microsoft.com/office/powerpoint/2010/main" id="1" dur="indefinite" restart="never" nodeType="tmRoot"/>
+        <p:cTn id="1" dur="indefinite" restart="never" nodeType="tmRoot"/>
       </p:par>
     </p:tnLst>
   </p:timing>
 </p:sld>
 </file>
 
-<file path=ppt/slides/slide24.xml><?xml version="1.0" encoding="utf-8"?>
+<file path=ppt/slides/slide19.xml><?xml version="1.0" encoding="utf-8"?>
 <p:sld xmlns:a="http://schemas.openxmlformats.org/drawingml/2006/main" xmlns:r="http://schemas.openxmlformats.org/officeDocument/2006/relationships" xmlns:p="http://schemas.openxmlformats.org/presentationml/2006/main">
   <p:cSld>
     <p:spTree>
@@ -6648,14 +5771,131 @@
   <p:timing>
     <p:tnLst>
       <p:par>
-        <p:cTn xmlns:p14="http://schemas.microsoft.com/office/powerpoint/2010/main" id="1" dur="indefinite" restart="never" nodeType="tmRoot"/>
+        <p:cTn id="1" dur="indefinite" restart="never" nodeType="tmRoot"/>
       </p:par>
     </p:tnLst>
   </p:timing>
 </p:sld>
 </file>
 
-<file path=ppt/slides/slide25.xml><?xml version="1.0" encoding="utf-8"?>
+<file path=ppt/slides/slide2.xml><?xml version="1.0" encoding="utf-8"?>
+<p:sld xmlns:a="http://schemas.openxmlformats.org/drawingml/2006/main" xmlns:r="http://schemas.openxmlformats.org/officeDocument/2006/relationships" xmlns:p="http://schemas.openxmlformats.org/presentationml/2006/main">
+  <p:cSld>
+    <p:spTree>
+      <p:nvGrpSpPr>
+        <p:cNvPr id="1" name=""/>
+        <p:cNvGrpSpPr/>
+        <p:nvPr/>
+      </p:nvGrpSpPr>
+      <p:grpSpPr>
+        <a:xfrm>
+          <a:off x="0" y="0"/>
+          <a:ext cx="0" cy="0"/>
+          <a:chOff x="0" y="0"/>
+          <a:chExt cx="0" cy="0"/>
+        </a:xfrm>
+      </p:grpSpPr>
+      <p:sp>
+        <p:nvSpPr>
+          <p:cNvPr id="2" name="Title 1"/>
+          <p:cNvSpPr>
+            <a:spLocks noGrp="1"/>
+          </p:cNvSpPr>
+          <p:nvPr>
+            <p:ph type="title"/>
+          </p:nvPr>
+        </p:nvSpPr>
+        <p:spPr/>
+        <p:txBody>
+          <a:bodyPr/>
+          <a:lstStyle/>
+          <a:p>
+            <a:r>
+              <a:rPr lang="en-US" dirty="0" smtClean="0"/>
+              <a:t>Shiny</a:t>
+            </a:r>
+            <a:endParaRPr lang="en-US" dirty="0"/>
+          </a:p>
+        </p:txBody>
+      </p:sp>
+      <p:sp>
+        <p:nvSpPr>
+          <p:cNvPr id="3" name="Content Placeholder 2"/>
+          <p:cNvSpPr>
+            <a:spLocks noGrp="1"/>
+          </p:cNvSpPr>
+          <p:nvPr>
+            <p:ph idx="1"/>
+          </p:nvPr>
+        </p:nvSpPr>
+        <p:spPr/>
+        <p:txBody>
+          <a:bodyPr>
+            <a:normAutofit fontScale="85000" lnSpcReduction="10000"/>
+          </a:bodyPr>
+          <a:lstStyle/>
+          <a:p>
+            <a:r>
+              <a:rPr lang="en-US" dirty="0" smtClean="0"/>
+              <a:t>Shiny is a platform for creating interactive R programs embedded into a web page.</a:t>
+            </a:r>
+          </a:p>
+          <a:p>
+            <a:r>
+              <a:rPr lang="en-US" dirty="0" smtClean="0"/>
+              <a:t>Suppose that you create a prediction algorithm, with shiny you can very easily create web input form that calls R and thus your prediction algorithm and displays the results.</a:t>
+            </a:r>
+          </a:p>
+          <a:p>
+            <a:r>
+              <a:rPr lang="en-US" dirty="0" smtClean="0"/>
+              <a:t>Using Shiny, the time to create simple, yet powerful, web-based interactive data products in R is minimized.</a:t>
+            </a:r>
+          </a:p>
+          <a:p>
+            <a:r>
+              <a:rPr lang="en-US" dirty="0" smtClean="0"/>
+              <a:t>However, it lacks the flexibility of full featured (and more complex) solutions.</a:t>
+            </a:r>
+          </a:p>
+          <a:p>
+            <a:r>
+              <a:rPr lang="en-US" dirty="0" smtClean="0"/>
+              <a:t>Shiny is made by the fine folks at </a:t>
+            </a:r>
+            <a:r>
+              <a:rPr lang="en-US" dirty="0" err="1" smtClean="0"/>
+              <a:t>RStudio</a:t>
+            </a:r>
+            <a:r>
+              <a:rPr lang="en-US" dirty="0" smtClean="0"/>
+              <a:t>.</a:t>
+            </a:r>
+            <a:endParaRPr lang="en-US" dirty="0"/>
+          </a:p>
+        </p:txBody>
+      </p:sp>
+    </p:spTree>
+    <p:extLst>
+      <p:ext uri="{BB962C8B-B14F-4D97-AF65-F5344CB8AC3E}">
+        <p14:creationId xmlns:p14="http://schemas.microsoft.com/office/powerpoint/2010/main" val="609782286"/>
+      </p:ext>
+    </p:extLst>
+  </p:cSld>
+  <p:clrMapOvr>
+    <a:masterClrMapping/>
+  </p:clrMapOvr>
+  <p:timing>
+    <p:tnLst>
+      <p:par>
+        <p:cTn id="1" dur="indefinite" restart="never" nodeType="tmRoot"/>
+      </p:par>
+    </p:tnLst>
+  </p:timing>
+</p:sld>
+</file>
+
+<file path=ppt/slides/slide20.xml><?xml version="1.0" encoding="utf-8"?>
 <p:sld xmlns:a="http://schemas.openxmlformats.org/drawingml/2006/main" xmlns:r="http://schemas.openxmlformats.org/officeDocument/2006/relationships" xmlns:p="http://schemas.openxmlformats.org/presentationml/2006/main">
   <p:cSld>
     <p:spTree>
@@ -6738,14 +5978,14 @@
   <p:timing>
     <p:tnLst>
       <p:par>
-        <p:cTn xmlns:p14="http://schemas.microsoft.com/office/powerpoint/2010/main" id="1" dur="indefinite" restart="never" nodeType="tmRoot"/>
+        <p:cTn id="1" dur="indefinite" restart="never" nodeType="tmRoot"/>
       </p:par>
     </p:tnLst>
   </p:timing>
 </p:sld>
 </file>
 
-<file path=ppt/slides/slide26.xml><?xml version="1.0" encoding="utf-8"?>
+<file path=ppt/slides/slide21.xml><?xml version="1.0" encoding="utf-8"?>
 <p:sld xmlns:a="http://schemas.openxmlformats.org/drawingml/2006/main" xmlns:r="http://schemas.openxmlformats.org/officeDocument/2006/relationships" xmlns:p="http://schemas.openxmlformats.org/presentationml/2006/main">
   <p:cSld>
     <p:spTree>
@@ -6828,14 +6068,14 @@
   <p:timing>
     <p:tnLst>
       <p:par>
-        <p:cTn xmlns:p14="http://schemas.microsoft.com/office/powerpoint/2010/main" id="1" dur="indefinite" restart="never" nodeType="tmRoot"/>
+        <p:cTn id="1" dur="indefinite" restart="never" nodeType="tmRoot"/>
       </p:par>
     </p:tnLst>
   </p:timing>
 </p:sld>
 </file>
 
-<file path=ppt/slides/slide27.xml><?xml version="1.0" encoding="utf-8"?>
+<file path=ppt/slides/slide22.xml><?xml version="1.0" encoding="utf-8"?>
 <p:sld xmlns:a="http://schemas.openxmlformats.org/drawingml/2006/main" xmlns:r="http://schemas.openxmlformats.org/officeDocument/2006/relationships" xmlns:p="http://schemas.openxmlformats.org/presentationml/2006/main">
   <p:cSld>
     <p:spTree>
@@ -6910,8 +6150,13 @@
             </a:r>
             <a:r>
               <a:rPr lang="en-US" dirty="0" smtClean="0"/>
-              <a:t> server (for free, at least now)</a:t>
-            </a:r>
+              <a:t> </a:t>
+            </a:r>
+            <a:r>
+              <a:rPr lang="en-US" dirty="0" smtClean="0"/>
+              <a:t>server</a:t>
+            </a:r>
+            <a:endParaRPr lang="en-US" dirty="0" smtClean="0"/>
           </a:p>
           <a:p>
             <a:r>
@@ -7000,14 +6245,14 @@
   <p:timing>
     <p:tnLst>
       <p:par>
-        <p:cTn xmlns:p14="http://schemas.microsoft.com/office/powerpoint/2010/main" id="1" dur="indefinite" restart="never" nodeType="tmRoot"/>
+        <p:cTn id="1" dur="indefinite" restart="never" nodeType="tmRoot"/>
       </p:par>
     </p:tnLst>
   </p:timing>
 </p:sld>
 </file>
 
-<file path=ppt/slides/slide28.xml><?xml version="1.0" encoding="utf-8"?>
+<file path=ppt/slides/slide23.xml><?xml version="1.0" encoding="utf-8"?>
 <p:sld xmlns:a="http://schemas.openxmlformats.org/drawingml/2006/main" xmlns:r="http://schemas.openxmlformats.org/officeDocument/2006/relationships" xmlns:p="http://schemas.openxmlformats.org/presentationml/2006/main">
   <p:cSld>
     <p:spTree>
@@ -7074,34 +6319,38 @@
           </a:p>
           <a:p>
             <a:r>
+              <a:rPr lang="en-US" smtClean="0"/>
+              <a:t>Shiny </a:t>
+            </a:r>
+            <a:r>
+              <a:rPr lang="en-US" smtClean="0"/>
+              <a:t>lets </a:t>
+            </a:r>
+            <a:r>
               <a:rPr lang="en-US" dirty="0" smtClean="0"/>
-              <a:t>Shiny let’s you create web apps without having to focus on nuts and bolts of web programming</a:t>
+              <a:t>you create web apps without having to focus on nuts and bolts of web programming</a:t>
             </a:r>
           </a:p>
           <a:p>
             <a:r>
               <a:rPr lang="en-US" dirty="0" smtClean="0"/>
-              <a:t>It’s to get into the </a:t>
-            </a:r>
-            <a:r>
-              <a:rPr lang="en-US" dirty="0" err="1" smtClean="0"/>
-              <a:t>nitty</a:t>
+              <a:t>It’s </a:t>
             </a:r>
             <a:r>
               <a:rPr lang="en-US" dirty="0" smtClean="0"/>
-              <a:t> gritty web stuff if you want</a:t>
-            </a:r>
-          </a:p>
-          <a:p>
+              <a:t>possible to </a:t>
+            </a:r>
             <a:r>
               <a:rPr lang="en-US" dirty="0" smtClean="0"/>
-              <a:t>Apps can be deployed on the </a:t>
-            </a:r>
-            <a:r>
-              <a:rPr lang="en-US" smtClean="0"/>
-              <a:t>web quickly</a:t>
-            </a:r>
-            <a:endParaRPr lang="en-US"/>
+              <a:t>get into the nitty gritty web stuff if you want</a:t>
+            </a:r>
+          </a:p>
+          <a:p>
+            <a:r>
+              <a:rPr lang="en-US" dirty="0" smtClean="0"/>
+              <a:t>Apps can be deployed on the web quickly</a:t>
+            </a:r>
+            <a:endParaRPr lang="en-US" dirty="0"/>
           </a:p>
         </p:txBody>
       </p:sp>
@@ -7118,7 +6367,7 @@
   <p:timing>
     <p:tnLst>
       <p:par>
-        <p:cTn xmlns:p14="http://schemas.microsoft.com/office/powerpoint/2010/main" id="1" dur="indefinite" restart="never" nodeType="tmRoot"/>
+        <p:cTn id="1" dur="indefinite" restart="never" nodeType="tmRoot"/>
       </p:par>
     </p:tnLst>
   </p:timing>
@@ -7159,7 +6408,7 @@
           <a:p>
             <a:r>
               <a:rPr lang="en-US" dirty="0" smtClean="0"/>
-              <a:t>manipulate</a:t>
+              <a:t>Shiny</a:t>
             </a:r>
             <a:endParaRPr lang="en-US" dirty="0"/>
           </a:p>
@@ -7177,52 +6426,44 @@
         </p:nvSpPr>
         <p:spPr/>
         <p:txBody>
-          <a:bodyPr/>
+          <a:bodyPr>
+            <a:normAutofit fontScale="85000" lnSpcReduction="20000"/>
+          </a:bodyPr>
           <a:lstStyle/>
           <a:p>
             <a:r>
               <a:rPr lang="en-US" dirty="0" smtClean="0"/>
-              <a:t>Simple mechanism for adding sliders, checkboxes and buttons to plots</a:t>
+              <a:t>Shiny doesn't really require it, but as with all web programming, a little awareness of HTML, CSS and JavaScript is very helpful</a:t>
             </a:r>
           </a:p>
           <a:p>
             <a:r>
               <a:rPr lang="en-US" dirty="0" smtClean="0"/>
-              <a:t>Only usable with base graphics (i.e. </a:t>
-            </a:r>
-            <a:r>
-              <a:rPr lang="en-US" dirty="0" smtClean="0">
-                <a:latin typeface="Courier"/>
-                <a:cs typeface="Courier"/>
-              </a:rPr>
-              <a:t>plot()</a:t>
-            </a:r>
+              <a:t>HTML gives a web page structure and sectioning as well as markup instructions</a:t>
+            </a:r>
+          </a:p>
+          <a:p>
             <a:r>
               <a:rPr lang="en-US" dirty="0" smtClean="0"/>
-              <a:t>)</a:t>
+              <a:t>CSS describes how content is presented</a:t>
             </a:r>
           </a:p>
           <a:p>
             <a:r>
               <a:rPr lang="en-US" dirty="0" smtClean="0"/>
-              <a:t>Plot calls are wrapped in a call to the </a:t>
-            </a:r>
-            <a:r>
-              <a:rPr lang="en-US" dirty="0" smtClean="0">
-                <a:latin typeface="Courier"/>
-                <a:cs typeface="Courier"/>
-              </a:rPr>
-              <a:t>manipulate()</a:t>
-            </a:r>
+              <a:t>JavaScript is for interactivity</a:t>
+            </a:r>
+          </a:p>
+          <a:p>
             <a:r>
               <a:rPr lang="en-US" dirty="0" smtClean="0"/>
-              <a:t> function</a:t>
+              <a:t>There are too many tutorials online to count for getting basic proficiency in these topics to count.</a:t>
             </a:r>
           </a:p>
           <a:p>
             <a:r>
               <a:rPr lang="en-US" dirty="0" smtClean="0"/>
-              <a:t>A little “wheel/gear” appears in upper corner of plot that will toggle controls</a:t>
+              <a:t>Shiny uses bootstrap (no relation to the statistics bootstrap) style, which (to me) seems to look nice and renders well on mobile platforms</a:t>
             </a:r>
             <a:endParaRPr lang="en-US" dirty="0"/>
           </a:p>
@@ -7231,7 +6472,7 @@
     </p:spTree>
     <p:extLst>
       <p:ext uri="{BB962C8B-B14F-4D97-AF65-F5344CB8AC3E}">
-        <p14:creationId xmlns:p14="http://schemas.microsoft.com/office/powerpoint/2010/main" val="492536372"/>
+        <p14:creationId xmlns:p14="http://schemas.microsoft.com/office/powerpoint/2010/main" val="2022353633"/>
       </p:ext>
     </p:extLst>
   </p:cSld>
@@ -7241,7 +6482,7 @@
   <p:timing>
     <p:tnLst>
       <p:par>
-        <p:cTn xmlns:p14="http://schemas.microsoft.com/office/powerpoint/2010/main" id="1" dur="indefinite" restart="never" nodeType="tmRoot"/>
+        <p:cTn id="1" dur="indefinite" restart="never" nodeType="tmRoot"/>
       </p:par>
     </p:tnLst>
   </p:timing>
@@ -7282,7 +6523,7 @@
           <a:p>
             <a:r>
               <a:rPr lang="en-US" dirty="0" smtClean="0"/>
-              <a:t>manipulate: Example 1</a:t>
+              <a:t>A Shiny Project</a:t>
             </a:r>
             <a:endParaRPr lang="en-US" dirty="0"/>
           </a:p>
@@ -7305,593 +6546,52 @@
           </a:bodyPr>
           <a:lstStyle/>
           <a:p>
-            <a:pPr marL="0" indent="0">
-              <a:buNone/>
-            </a:pPr>
-            <a:r>
-              <a:rPr lang="en-US" sz="2000" dirty="0" smtClean="0">
-                <a:latin typeface="Courier"/>
-                <a:cs typeface="Courier"/>
-              </a:rPr>
-              <a:t>library(manipulate)</a:t>
-            </a:r>
-          </a:p>
-          <a:p>
-            <a:pPr marL="0" indent="0">
-              <a:buNone/>
-            </a:pPr>
-            <a:endParaRPr lang="en-US" sz="2000" dirty="0" smtClean="0">
-              <a:latin typeface="Courier"/>
-              <a:cs typeface="Courier"/>
-            </a:endParaRPr>
-          </a:p>
-          <a:p>
-            <a:pPr marL="0" indent="0">
-              <a:buNone/>
-            </a:pPr>
-            <a:r>
-              <a:rPr lang="en-US" sz="2000" dirty="0" smtClean="0">
-                <a:latin typeface="Courier"/>
-                <a:cs typeface="Courier"/>
-              </a:rPr>
-              <a:t>data &lt;- </a:t>
-            </a:r>
-            <a:r>
-              <a:rPr lang="en-US" sz="2000" dirty="0" err="1" smtClean="0">
-                <a:latin typeface="Courier"/>
-                <a:cs typeface="Courier"/>
-              </a:rPr>
-              <a:t>read.csv</a:t>
-            </a:r>
-            <a:r>
-              <a:rPr lang="en-US" sz="2000" dirty="0" smtClean="0">
-                <a:latin typeface="Courier"/>
-                <a:cs typeface="Courier"/>
-              </a:rPr>
-              <a:t>("</a:t>
-            </a:r>
-            <a:r>
-              <a:rPr lang="en-US" sz="2000" dirty="0" err="1" smtClean="0">
-                <a:latin typeface="Courier"/>
-                <a:cs typeface="Courier"/>
-              </a:rPr>
-              <a:t>eno.csv</a:t>
-            </a:r>
-            <a:r>
-              <a:rPr lang="en-US" sz="2000" dirty="0" smtClean="0">
-                <a:latin typeface="Courier"/>
-                <a:cs typeface="Courier"/>
-              </a:rPr>
-              <a:t>")</a:t>
-            </a:r>
-          </a:p>
-          <a:p>
-            <a:pPr marL="0" indent="0">
-              <a:buNone/>
-            </a:pPr>
-            <a:r>
-              <a:rPr lang="en-US" sz="2000" dirty="0" smtClean="0">
-                <a:latin typeface="Courier"/>
-                <a:cs typeface="Courier"/>
-              </a:rPr>
-              <a:t>manipulate(</a:t>
-            </a:r>
-          </a:p>
-          <a:p>
-            <a:pPr marL="0" indent="0">
-              <a:buNone/>
-            </a:pPr>
-            <a:r>
-              <a:rPr lang="en-US" sz="2000" dirty="0" smtClean="0">
-                <a:latin typeface="Courier"/>
-                <a:cs typeface="Courier"/>
-              </a:rPr>
-              <a:t>        </a:t>
-            </a:r>
-            <a:r>
-              <a:rPr lang="en-US" sz="2000" dirty="0" err="1" smtClean="0">
-                <a:latin typeface="Courier"/>
-                <a:cs typeface="Courier"/>
-              </a:rPr>
-              <a:t>hist</a:t>
-            </a:r>
-            <a:r>
-              <a:rPr lang="en-US" sz="2000" dirty="0" smtClean="0">
-                <a:latin typeface="Courier"/>
-                <a:cs typeface="Courier"/>
-              </a:rPr>
-              <a:t>(log(</a:t>
-            </a:r>
-            <a:r>
-              <a:rPr lang="en-US" sz="2000" dirty="0" err="1" smtClean="0">
-                <a:latin typeface="Courier"/>
-                <a:cs typeface="Courier"/>
-              </a:rPr>
-              <a:t>data$eno</a:t>
-            </a:r>
-            <a:r>
-              <a:rPr lang="en-US" sz="2000" dirty="0" smtClean="0">
-                <a:latin typeface="Courier"/>
-                <a:cs typeface="Courier"/>
-              </a:rPr>
-              <a:t>), breaks = </a:t>
-            </a:r>
-            <a:r>
-              <a:rPr lang="en-US" sz="2000" dirty="0" err="1" smtClean="0">
-                <a:latin typeface="Courier"/>
-                <a:cs typeface="Courier"/>
-              </a:rPr>
-              <a:t>n.breaks</a:t>
-            </a:r>
-            <a:r>
-              <a:rPr lang="en-US" sz="2000" dirty="0" smtClean="0">
-                <a:latin typeface="Courier"/>
-                <a:cs typeface="Courier"/>
-              </a:rPr>
-              <a:t>),</a:t>
-            </a:r>
-          </a:p>
-          <a:p>
-            <a:pPr marL="0" indent="0">
-              <a:buNone/>
-            </a:pPr>
-            <a:r>
-              <a:rPr lang="en-US" sz="2000" dirty="0" smtClean="0">
-                <a:latin typeface="Courier"/>
-                <a:cs typeface="Courier"/>
-              </a:rPr>
-              <a:t>        </a:t>
-            </a:r>
-            <a:r>
-              <a:rPr lang="en-US" sz="2000" dirty="0" err="1" smtClean="0">
-                <a:latin typeface="Courier"/>
-                <a:cs typeface="Courier"/>
-              </a:rPr>
-              <a:t>n.breaks</a:t>
-            </a:r>
-            <a:r>
-              <a:rPr lang="en-US" sz="2000" dirty="0" smtClean="0">
-                <a:latin typeface="Courier"/>
-                <a:cs typeface="Courier"/>
-              </a:rPr>
-              <a:t> = slider(3, 20)</a:t>
-            </a:r>
-          </a:p>
-          <a:p>
-            <a:pPr marL="0" indent="0">
-              <a:buNone/>
-            </a:pPr>
-            <a:r>
-              <a:rPr lang="en-US" sz="2000" dirty="0" smtClean="0">
-                <a:latin typeface="Courier"/>
-                <a:cs typeface="Courier"/>
-              </a:rPr>
-              <a:t>)</a:t>
-            </a:r>
-          </a:p>
-          <a:p>
-            <a:pPr marL="0" indent="0">
-              <a:buNone/>
-            </a:pPr>
-            <a:endParaRPr lang="en-US" sz="2000" dirty="0" smtClean="0">
-              <a:latin typeface="Courier"/>
-              <a:cs typeface="Courier"/>
-            </a:endParaRPr>
-          </a:p>
-          <a:p>
-            <a:pPr marL="0" indent="0">
-              <a:buNone/>
-            </a:pPr>
-            <a:endParaRPr lang="en-US" sz="2000" dirty="0">
-              <a:latin typeface="Courier"/>
-              <a:cs typeface="Courier"/>
-            </a:endParaRPr>
-          </a:p>
-        </p:txBody>
-      </p:sp>
-      <p:grpSp>
-        <p:nvGrpSpPr>
-          <p:cNvPr id="12" name="Group 11"/>
-          <p:cNvGrpSpPr/>
-          <p:nvPr/>
-        </p:nvGrpSpPr>
-        <p:grpSpPr>
-          <a:xfrm>
-            <a:off x="1687938" y="1880776"/>
-            <a:ext cx="7185791" cy="1591426"/>
-            <a:chOff x="1687938" y="1880776"/>
-            <a:chExt cx="7185791" cy="1591426"/>
-          </a:xfrm>
-        </p:grpSpPr>
-        <p:sp>
-          <p:nvSpPr>
-            <p:cNvPr id="4" name="Rectangle 3"/>
-            <p:cNvSpPr/>
-            <p:nvPr/>
-          </p:nvSpPr>
-          <p:spPr>
-            <a:xfrm>
-              <a:off x="6888393" y="1880776"/>
-              <a:ext cx="1985336" cy="425988"/>
-            </a:xfrm>
-            <a:prstGeom prst="rect">
-              <a:avLst/>
-            </a:prstGeom>
-          </p:spPr>
-          <p:style>
-            <a:lnRef idx="1">
-              <a:schemeClr val="accent1"/>
-            </a:lnRef>
-            <a:fillRef idx="3">
-              <a:schemeClr val="accent1"/>
-            </a:fillRef>
-            <a:effectRef idx="2">
-              <a:schemeClr val="accent1"/>
-            </a:effectRef>
-            <a:fontRef idx="minor">
-              <a:schemeClr val="lt1"/>
-            </a:fontRef>
-          </p:style>
-          <p:txBody>
-            <a:bodyPr rtlCol="0" anchor="ctr"/>
-            <a:lstStyle/>
-            <a:p>
-              <a:pPr algn="ctr"/>
-              <a:r>
-                <a:rPr lang="en-US" dirty="0" smtClean="0"/>
-                <a:t>plotting expression</a:t>
-              </a:r>
-              <a:endParaRPr lang="en-US" dirty="0"/>
-            </a:p>
-          </p:txBody>
-        </p:sp>
-        <p:sp>
-          <p:nvSpPr>
-            <p:cNvPr id="9" name="Rectangle 8"/>
-            <p:cNvSpPr/>
-            <p:nvPr/>
-          </p:nvSpPr>
-          <p:spPr>
-            <a:xfrm>
-              <a:off x="1687938" y="3078364"/>
-              <a:ext cx="5883668" cy="393838"/>
-            </a:xfrm>
-            <a:prstGeom prst="rect">
-              <a:avLst/>
-            </a:prstGeom>
-            <a:gradFill flip="none" rotWithShape="1">
-              <a:gsLst>
-                <a:gs pos="0">
-                  <a:schemeClr val="accent1">
-                    <a:tint val="100000"/>
-                    <a:shade val="100000"/>
-                    <a:satMod val="130000"/>
-                    <a:alpha val="23000"/>
-                  </a:schemeClr>
-                </a:gs>
-                <a:gs pos="100000">
-                  <a:schemeClr val="accent1">
-                    <a:tint val="50000"/>
-                    <a:shade val="100000"/>
-                    <a:satMod val="350000"/>
-                    <a:alpha val="23000"/>
-                  </a:schemeClr>
-                </a:gs>
-              </a:gsLst>
-              <a:lin ang="16200000" scaled="0"/>
-              <a:tileRect/>
-            </a:gradFill>
-          </p:spPr>
-          <p:style>
-            <a:lnRef idx="1">
-              <a:schemeClr val="accent1"/>
-            </a:lnRef>
-            <a:fillRef idx="3">
-              <a:schemeClr val="accent1"/>
-            </a:fillRef>
-            <a:effectRef idx="2">
-              <a:schemeClr val="accent1"/>
-            </a:effectRef>
-            <a:fontRef idx="minor">
-              <a:schemeClr val="lt1"/>
-            </a:fontRef>
-          </p:style>
-          <p:txBody>
-            <a:bodyPr rtlCol="0" anchor="ctr"/>
-            <a:lstStyle/>
-            <a:p>
-              <a:pPr algn="ctr"/>
-              <a:endParaRPr lang="en-US"/>
-            </a:p>
-          </p:txBody>
-        </p:sp>
-        <p:cxnSp>
-          <p:nvCxnSpPr>
-            <p:cNvPr id="11" name="Straight Arrow Connector 10"/>
-            <p:cNvCxnSpPr>
-              <a:stCxn id="4" idx="2"/>
-            </p:cNvCxnSpPr>
-            <p:nvPr/>
-          </p:nvCxnSpPr>
-          <p:spPr>
-            <a:xfrm flipH="1">
-              <a:off x="6237331" y="2306764"/>
-              <a:ext cx="1643730" cy="771600"/>
-            </a:xfrm>
-            <a:prstGeom prst="straightConnector1">
-              <a:avLst/>
-            </a:prstGeom>
-            <a:ln>
-              <a:tailEnd type="arrow"/>
-            </a:ln>
-          </p:spPr>
-          <p:style>
-            <a:lnRef idx="2">
-              <a:schemeClr val="accent1"/>
-            </a:lnRef>
-            <a:fillRef idx="0">
-              <a:schemeClr val="accent1"/>
-            </a:fillRef>
-            <a:effectRef idx="1">
-              <a:schemeClr val="accent1"/>
-            </a:effectRef>
-            <a:fontRef idx="minor">
-              <a:schemeClr val="tx1"/>
-            </a:fontRef>
-          </p:style>
-        </p:cxnSp>
-      </p:grpSp>
-      <p:grpSp>
-        <p:nvGrpSpPr>
-          <p:cNvPr id="19" name="Group 18"/>
-          <p:cNvGrpSpPr/>
-          <p:nvPr/>
-        </p:nvGrpSpPr>
-        <p:grpSpPr>
-          <a:xfrm>
-            <a:off x="2893606" y="3793702"/>
-            <a:ext cx="1357751" cy="1755570"/>
-            <a:chOff x="2893606" y="3793702"/>
-            <a:chExt cx="1357751" cy="1755570"/>
-          </a:xfrm>
-        </p:grpSpPr>
-        <p:sp>
-          <p:nvSpPr>
-            <p:cNvPr id="6" name="Rectangle 5"/>
-            <p:cNvSpPr/>
-            <p:nvPr/>
-          </p:nvSpPr>
-          <p:spPr>
-            <a:xfrm>
-              <a:off x="2893606" y="5123284"/>
-              <a:ext cx="1357751" cy="425988"/>
-            </a:xfrm>
-            <a:prstGeom prst="rect">
-              <a:avLst/>
-            </a:prstGeom>
-          </p:spPr>
-          <p:style>
-            <a:lnRef idx="1">
-              <a:schemeClr val="accent1"/>
-            </a:lnRef>
-            <a:fillRef idx="3">
-              <a:schemeClr val="accent1"/>
-            </a:fillRef>
-            <a:effectRef idx="2">
-              <a:schemeClr val="accent1"/>
-            </a:effectRef>
-            <a:fontRef idx="minor">
-              <a:schemeClr val="lt1"/>
-            </a:fontRef>
-          </p:style>
-          <p:txBody>
-            <a:bodyPr rtlCol="0" anchor="ctr"/>
-            <a:lstStyle/>
-            <a:p>
-              <a:pPr algn="ctr"/>
-              <a:r>
-                <a:rPr lang="en-US" dirty="0" smtClean="0"/>
-                <a:t>controller</a:t>
-              </a:r>
-              <a:endParaRPr lang="en-US" dirty="0"/>
-            </a:p>
-          </p:txBody>
-        </p:sp>
-        <p:cxnSp>
-          <p:nvCxnSpPr>
-            <p:cNvPr id="15" name="Straight Arrow Connector 14"/>
-            <p:cNvCxnSpPr>
-              <a:stCxn id="6" idx="0"/>
-            </p:cNvCxnSpPr>
-            <p:nvPr/>
-          </p:nvCxnSpPr>
-          <p:spPr>
-            <a:xfrm flipV="1">
-              <a:off x="3572482" y="3793702"/>
-              <a:ext cx="317812" cy="1329582"/>
-            </a:xfrm>
-            <a:prstGeom prst="straightConnector1">
-              <a:avLst/>
-            </a:prstGeom>
-            <a:ln>
-              <a:tailEnd type="arrow"/>
-            </a:ln>
-          </p:spPr>
-          <p:style>
-            <a:lnRef idx="2">
-              <a:schemeClr val="accent1"/>
-            </a:lnRef>
-            <a:fillRef idx="0">
-              <a:schemeClr val="accent1"/>
-            </a:fillRef>
-            <a:effectRef idx="1">
-              <a:schemeClr val="accent1"/>
-            </a:effectRef>
-            <a:fontRef idx="minor">
-              <a:schemeClr val="tx1"/>
-            </a:fontRef>
-          </p:style>
-        </p:cxnSp>
-      </p:grpSp>
-      <p:grpSp>
-        <p:nvGrpSpPr>
-          <p:cNvPr id="8" name="Group 7"/>
-          <p:cNvGrpSpPr/>
-          <p:nvPr/>
-        </p:nvGrpSpPr>
-        <p:grpSpPr>
-          <a:xfrm>
-            <a:off x="6090310" y="3023744"/>
-            <a:ext cx="2421399" cy="2160134"/>
-            <a:chOff x="6090310" y="3023744"/>
-            <a:chExt cx="2421399" cy="2160134"/>
-          </a:xfrm>
-        </p:grpSpPr>
-        <p:grpSp>
-          <p:nvGrpSpPr>
-            <p:cNvPr id="18" name="Group 17"/>
-            <p:cNvGrpSpPr/>
-            <p:nvPr/>
-          </p:nvGrpSpPr>
-          <p:grpSpPr>
-            <a:xfrm>
-              <a:off x="6574918" y="3472202"/>
-              <a:ext cx="1936791" cy="1711676"/>
-              <a:chOff x="6574918" y="3472202"/>
-              <a:chExt cx="1936791" cy="1711676"/>
-            </a:xfrm>
-          </p:grpSpPr>
-          <p:sp>
-            <p:nvSpPr>
-              <p:cNvPr id="5" name="Rectangle 4"/>
-              <p:cNvSpPr/>
-              <p:nvPr/>
-            </p:nvSpPr>
-            <p:spPr>
-              <a:xfrm>
-                <a:off x="6574918" y="4757890"/>
-                <a:ext cx="1936791" cy="425988"/>
-              </a:xfrm>
-              <a:prstGeom prst="rect">
-                <a:avLst/>
-              </a:prstGeom>
-            </p:spPr>
-            <p:style>
-              <a:lnRef idx="1">
-                <a:schemeClr val="accent1"/>
-              </a:lnRef>
-              <a:fillRef idx="3">
-                <a:schemeClr val="accent1"/>
-              </a:fillRef>
-              <a:effectRef idx="2">
-                <a:schemeClr val="accent1"/>
-              </a:effectRef>
-              <a:fontRef idx="minor">
-                <a:schemeClr val="lt1"/>
-              </a:fontRef>
-            </p:style>
-            <p:txBody>
-              <a:bodyPr rtlCol="0" anchor="ctr"/>
-              <a:lstStyle/>
-              <a:p>
-                <a:pPr algn="ctr"/>
-                <a:r>
-                  <a:rPr lang="en-US" dirty="0" smtClean="0"/>
-                  <a:t>variable to control</a:t>
-                </a:r>
-                <a:endParaRPr lang="en-US" dirty="0"/>
-              </a:p>
-            </p:txBody>
-          </p:sp>
-          <p:cxnSp>
-            <p:nvCxnSpPr>
-              <p:cNvPr id="14" name="Straight Arrow Connector 13"/>
-              <p:cNvCxnSpPr>
-                <a:stCxn id="5" idx="0"/>
-              </p:cNvCxnSpPr>
-              <p:nvPr/>
-            </p:nvCxnSpPr>
-            <p:spPr>
-              <a:xfrm flipH="1" flipV="1">
-                <a:off x="6888393" y="3472202"/>
-                <a:ext cx="654921" cy="1285688"/>
-              </a:xfrm>
-              <a:prstGeom prst="straightConnector1">
-                <a:avLst/>
-              </a:prstGeom>
-              <a:ln>
-                <a:tailEnd type="arrow"/>
-              </a:ln>
-            </p:spPr>
-            <p:style>
-              <a:lnRef idx="2">
-                <a:schemeClr val="accent1"/>
-              </a:lnRef>
-              <a:fillRef idx="0">
-                <a:schemeClr val="accent1"/>
-              </a:fillRef>
-              <a:effectRef idx="1">
-                <a:schemeClr val="accent1"/>
-              </a:effectRef>
-              <a:fontRef idx="minor">
-                <a:schemeClr val="tx1"/>
-              </a:fontRef>
-            </p:style>
-          </p:cxnSp>
-        </p:grpSp>
-        <p:sp>
-          <p:nvSpPr>
-            <p:cNvPr id="7" name="Rectangle 6"/>
-            <p:cNvSpPr/>
-            <p:nvPr/>
-          </p:nvSpPr>
-          <p:spPr>
-            <a:xfrm>
-              <a:off x="6090310" y="3023744"/>
-              <a:ext cx="1453004" cy="512784"/>
-            </a:xfrm>
-            <a:prstGeom prst="rect">
-              <a:avLst/>
-            </a:prstGeom>
-            <a:solidFill>
-              <a:srgbClr val="C0504D">
-                <a:alpha val="23000"/>
-              </a:srgbClr>
-            </a:solidFill>
-            <a:ln>
-              <a:solidFill>
-                <a:schemeClr val="accent2"/>
-              </a:solidFill>
-            </a:ln>
-          </p:spPr>
-          <p:style>
-            <a:lnRef idx="1">
-              <a:schemeClr val="accent1"/>
-            </a:lnRef>
-            <a:fillRef idx="3">
-              <a:schemeClr val="accent1"/>
-            </a:fillRef>
-            <a:effectRef idx="2">
-              <a:schemeClr val="accent1"/>
-            </a:effectRef>
-            <a:fontRef idx="minor">
-              <a:schemeClr val="lt1"/>
-            </a:fontRef>
-          </p:style>
-          <p:txBody>
-            <a:bodyPr rtlCol="0" anchor="ctr"/>
-            <a:lstStyle/>
-            <a:p>
-              <a:pPr algn="ctr"/>
-              <a:endParaRPr lang="en-US"/>
-            </a:p>
-          </p:txBody>
-        </p:sp>
-      </p:grpSp>
+            <a:r>
+              <a:rPr lang="en-US" dirty="0" smtClean="0"/>
+              <a:t>A shiny project is a directory containing at least two parts</a:t>
+            </a:r>
+          </a:p>
+          <a:p>
+            <a:r>
+              <a:rPr lang="en-US" b="1" dirty="0" err="1" smtClean="0"/>
+              <a:t>ui.R</a:t>
+            </a:r>
+            <a:r>
+              <a:rPr lang="en-US" dirty="0" smtClean="0"/>
+              <a:t> (for user interface) controls how it looks</a:t>
+            </a:r>
+          </a:p>
+          <a:p>
+            <a:r>
+              <a:rPr lang="en-US" b="1" dirty="0" err="1" smtClean="0"/>
+              <a:t>server.R</a:t>
+            </a:r>
+            <a:r>
+              <a:rPr lang="en-US" dirty="0" smtClean="0"/>
+              <a:t> controls what it does</a:t>
+            </a:r>
+          </a:p>
+          <a:p>
+            <a:r>
+              <a:rPr lang="en-US" dirty="0" smtClean="0"/>
+              <a:t>Creating a “New Shiny Project” in </a:t>
+            </a:r>
+            <a:r>
+              <a:rPr lang="en-US" dirty="0" err="1" smtClean="0"/>
+              <a:t>RStudio</a:t>
+            </a:r>
+            <a:r>
+              <a:rPr lang="en-US" dirty="0" smtClean="0"/>
+              <a:t> will create these files for you and fill them with example code</a:t>
+            </a:r>
+            <a:endParaRPr lang="en-US" dirty="0"/>
+          </a:p>
+        </p:txBody>
+      </p:sp>
     </p:spTree>
     <p:extLst>
       <p:ext uri="{BB962C8B-B14F-4D97-AF65-F5344CB8AC3E}">
-        <p14:creationId xmlns:p14="http://schemas.microsoft.com/office/powerpoint/2010/main" val="3011910068"/>
+        <p14:creationId xmlns:p14="http://schemas.microsoft.com/office/powerpoint/2010/main" val="385903992"/>
       </p:ext>
     </p:extLst>
   </p:cSld>
@@ -7901,165 +6601,7 @@
   <p:timing>
     <p:tnLst>
       <p:par>
-        <p:cTn xmlns:p14="http://schemas.microsoft.com/office/powerpoint/2010/main" id="1" dur="indefinite" restart="never" nodeType="tmRoot">
-          <p:childTnLst>
-            <p:seq concurrent="1" nextAc="seek">
-              <p:cTn id="2" dur="indefinite" nodeType="mainSeq">
-                <p:childTnLst>
-                  <p:par>
-                    <p:cTn id="3" fill="hold">
-                      <p:stCondLst>
-                        <p:cond delay="indefinite"/>
-                      </p:stCondLst>
-                      <p:childTnLst>
-                        <p:par>
-                          <p:cTn id="4" fill="hold">
-                            <p:stCondLst>
-                              <p:cond delay="0"/>
-                            </p:stCondLst>
-                            <p:childTnLst>
-                              <p:par>
-                                <p:cTn id="5" presetID="1" presetClass="entr" presetSubtype="0" fill="hold" nodeType="clickEffect">
-                                  <p:stCondLst>
-                                    <p:cond delay="0"/>
-                                  </p:stCondLst>
-                                  <p:childTnLst>
-                                    <p:set>
-                                      <p:cBhvr>
-                                        <p:cTn id="6" dur="1" fill="hold">
-                                          <p:stCondLst>
-                                            <p:cond delay="0"/>
-                                          </p:stCondLst>
-                                        </p:cTn>
-                                        <p:tgtEl>
-                                          <p:spTgt spid="12"/>
-                                        </p:tgtEl>
-                                        <p:attrNameLst>
-                                          <p:attrName>style.visibility</p:attrName>
-                                        </p:attrNameLst>
-                                      </p:cBhvr>
-                                      <p:to>
-                                        <p:strVal val="visible"/>
-                                      </p:to>
-                                    </p:set>
-                                  </p:childTnLst>
-                                </p:cTn>
-                              </p:par>
-                            </p:childTnLst>
-                          </p:cTn>
-                        </p:par>
-                      </p:childTnLst>
-                    </p:cTn>
-                  </p:par>
-                  <p:par>
-                    <p:cTn id="7" fill="hold">
-                      <p:stCondLst>
-                        <p:cond delay="indefinite"/>
-                      </p:stCondLst>
-                      <p:childTnLst>
-                        <p:par>
-                          <p:cTn id="8" fill="hold">
-                            <p:stCondLst>
-                              <p:cond delay="0"/>
-                            </p:stCondLst>
-                            <p:childTnLst>
-                              <p:par>
-                                <p:cTn id="9" presetID="1" presetClass="entr" presetSubtype="0" fill="hold" nodeType="clickEffect">
-                                  <p:stCondLst>
-                                    <p:cond delay="0"/>
-                                  </p:stCondLst>
-                                  <p:childTnLst>
-                                    <p:set>
-                                      <p:cBhvr>
-                                        <p:cTn id="10" dur="1" fill="hold">
-                                          <p:stCondLst>
-                                            <p:cond delay="0"/>
-                                          </p:stCondLst>
-                                        </p:cTn>
-                                        <p:tgtEl>
-                                          <p:spTgt spid="8"/>
-                                        </p:tgtEl>
-                                        <p:attrNameLst>
-                                          <p:attrName>style.visibility</p:attrName>
-                                        </p:attrNameLst>
-                                      </p:cBhvr>
-                                      <p:to>
-                                        <p:strVal val="visible"/>
-                                      </p:to>
-                                    </p:set>
-                                  </p:childTnLst>
-                                </p:cTn>
-                              </p:par>
-                            </p:childTnLst>
-                          </p:cTn>
-                        </p:par>
-                      </p:childTnLst>
-                    </p:cTn>
-                  </p:par>
-                  <p:par>
-                    <p:cTn id="11" fill="hold">
-                      <p:stCondLst>
-                        <p:cond delay="indefinite"/>
-                      </p:stCondLst>
-                      <p:childTnLst>
-                        <p:par>
-                          <p:cTn id="12" fill="hold">
-                            <p:stCondLst>
-                              <p:cond delay="0"/>
-                            </p:stCondLst>
-                            <p:childTnLst>
-                              <p:par>
-                                <p:cTn id="13" presetID="1" presetClass="entr" presetSubtype="0" fill="hold" nodeType="clickEffect">
-                                  <p:stCondLst>
-                                    <p:cond delay="0"/>
-                                  </p:stCondLst>
-                                  <p:childTnLst>
-                                    <p:set>
-                                      <p:cBhvr>
-                                        <p:cTn id="14" dur="1" fill="hold">
-                                          <p:stCondLst>
-                                            <p:cond delay="0"/>
-                                          </p:stCondLst>
-                                        </p:cTn>
-                                        <p:tgtEl>
-                                          <p:spTgt spid="19"/>
-                                        </p:tgtEl>
-                                        <p:attrNameLst>
-                                          <p:attrName>style.visibility</p:attrName>
-                                        </p:attrNameLst>
-                                      </p:cBhvr>
-                                      <p:to>
-                                        <p:strVal val="visible"/>
-                                      </p:to>
-                                    </p:set>
-                                  </p:childTnLst>
-                                </p:cTn>
-                              </p:par>
-                            </p:childTnLst>
-                          </p:cTn>
-                        </p:par>
-                      </p:childTnLst>
-                    </p:cTn>
-                  </p:par>
-                </p:childTnLst>
-              </p:cTn>
-              <p:prevCondLst>
-                <p:cond evt="onPrev" delay="0">
-                  <p:tgtEl>
-                    <p:sldTgt/>
-                  </p:tgtEl>
-                </p:cond>
-              </p:prevCondLst>
-              <p:nextCondLst>
-                <p:cond evt="onNext" delay="0">
-                  <p:tgtEl>
-                    <p:sldTgt/>
-                  </p:tgtEl>
-                </p:cond>
-              </p:nextCondLst>
-            </p:seq>
-          </p:childTnLst>
-        </p:cTn>
+        <p:cTn id="1" dur="indefinite" restart="never" nodeType="tmRoot"/>
       </p:par>
     </p:tnLst>
   </p:timing>
@@ -8100,7 +6642,7 @@
           <a:p>
             <a:r>
               <a:rPr lang="en-US" dirty="0" smtClean="0"/>
-              <a:t>manipulate: Example 2</a:t>
+              <a:t>A Shiny Project</a:t>
             </a:r>
             <a:endParaRPr lang="en-US" dirty="0"/>
           </a:p>
@@ -8118,1384 +6660,49 @@
         </p:nvSpPr>
         <p:spPr/>
         <p:txBody>
-          <a:bodyPr>
-            <a:normAutofit fontScale="92500" lnSpcReduction="10000"/>
-          </a:bodyPr>
-          <a:lstStyle/>
-          <a:p>
-            <a:pPr marL="0" indent="0">
-              <a:buNone/>
-            </a:pPr>
-            <a:r>
-              <a:rPr lang="fi-FI" sz="1600" dirty="0" smtClean="0">
-                <a:latin typeface="Courier"/>
-                <a:cs typeface="Courier"/>
-              </a:rPr>
-              <a:t>eno &lt;- </a:t>
-            </a:r>
-            <a:r>
-              <a:rPr lang="fi-FI" sz="1600" dirty="0" err="1" smtClean="0">
-                <a:latin typeface="Courier"/>
-                <a:cs typeface="Courier"/>
-              </a:rPr>
-              <a:t>read.csv("eno.csv</a:t>
-            </a:r>
-            <a:r>
-              <a:rPr lang="fi-FI" sz="1600" dirty="0" smtClean="0">
-                <a:latin typeface="Courier"/>
-                <a:cs typeface="Courier"/>
-              </a:rPr>
-              <a:t>")</a:t>
-            </a:r>
-          </a:p>
-          <a:p>
-            <a:pPr marL="0" indent="0">
-              <a:buNone/>
-            </a:pPr>
-            <a:r>
-              <a:rPr lang="fi-FI" sz="1600" dirty="0" err="1" smtClean="0">
-                <a:latin typeface="Courier"/>
-                <a:cs typeface="Courier"/>
-              </a:rPr>
-              <a:t>env</a:t>
-            </a:r>
-            <a:r>
-              <a:rPr lang="fi-FI" sz="1600" dirty="0" smtClean="0">
-                <a:latin typeface="Courier"/>
-                <a:cs typeface="Courier"/>
-              </a:rPr>
-              <a:t> &lt;- </a:t>
-            </a:r>
-            <a:r>
-              <a:rPr lang="fi-FI" sz="1600" dirty="0" err="1" smtClean="0">
-                <a:latin typeface="Courier"/>
-                <a:cs typeface="Courier"/>
-              </a:rPr>
-              <a:t>read.csv("environmental.csv</a:t>
-            </a:r>
-            <a:r>
-              <a:rPr lang="fi-FI" sz="1600" dirty="0" smtClean="0">
-                <a:latin typeface="Courier"/>
-                <a:cs typeface="Courier"/>
-              </a:rPr>
-              <a:t>")</a:t>
-            </a:r>
-          </a:p>
-          <a:p>
-            <a:pPr marL="0" indent="0">
-              <a:buNone/>
-            </a:pPr>
-            <a:r>
-              <a:rPr lang="fi-FI" sz="1600" dirty="0" err="1" smtClean="0">
-                <a:latin typeface="Courier"/>
-                <a:cs typeface="Courier"/>
-              </a:rPr>
-              <a:t>skin</a:t>
-            </a:r>
-            <a:r>
-              <a:rPr lang="fi-FI" sz="1600" dirty="0" smtClean="0">
-                <a:latin typeface="Courier"/>
-                <a:cs typeface="Courier"/>
-              </a:rPr>
-              <a:t> &lt;- </a:t>
-            </a:r>
-            <a:r>
-              <a:rPr lang="fi-FI" sz="1600" dirty="0" err="1" smtClean="0">
-                <a:latin typeface="Courier"/>
-                <a:cs typeface="Courier"/>
-              </a:rPr>
-              <a:t>read.csv("skin.csv</a:t>
-            </a:r>
-            <a:r>
-              <a:rPr lang="fi-FI" sz="1600" dirty="0" smtClean="0">
-                <a:latin typeface="Courier"/>
-                <a:cs typeface="Courier"/>
-              </a:rPr>
-              <a:t>")</a:t>
-            </a:r>
-          </a:p>
-          <a:p>
-            <a:pPr marL="0" indent="0">
-              <a:buNone/>
-            </a:pPr>
-            <a:r>
-              <a:rPr lang="fi-FI" sz="1600" dirty="0" smtClean="0">
-                <a:latin typeface="Courier"/>
-                <a:cs typeface="Courier"/>
-              </a:rPr>
-              <a:t>m &lt;- </a:t>
-            </a:r>
-            <a:r>
-              <a:rPr lang="fi-FI" sz="1600" dirty="0" err="1" smtClean="0">
-                <a:latin typeface="Courier"/>
-                <a:cs typeface="Courier"/>
-              </a:rPr>
-              <a:t>merge(eno</a:t>
-            </a:r>
-            <a:r>
-              <a:rPr lang="fi-FI" sz="1600" dirty="0" smtClean="0">
-                <a:latin typeface="Courier"/>
-                <a:cs typeface="Courier"/>
-              </a:rPr>
-              <a:t>, </a:t>
-            </a:r>
-            <a:r>
-              <a:rPr lang="fi-FI" sz="1600" dirty="0" err="1" smtClean="0">
-                <a:latin typeface="Courier"/>
-                <a:cs typeface="Courier"/>
-              </a:rPr>
-              <a:t>env</a:t>
-            </a:r>
-            <a:r>
-              <a:rPr lang="fi-FI" sz="1600" dirty="0" smtClean="0">
-                <a:latin typeface="Courier"/>
-                <a:cs typeface="Courier"/>
-              </a:rPr>
-              <a:t>, </a:t>
-            </a:r>
-            <a:r>
-              <a:rPr lang="fi-FI" sz="1600" dirty="0" err="1" smtClean="0">
-                <a:latin typeface="Courier"/>
-                <a:cs typeface="Courier"/>
-              </a:rPr>
-              <a:t>by</a:t>
-            </a:r>
-            <a:r>
-              <a:rPr lang="fi-FI" sz="1600" dirty="0" smtClean="0">
-                <a:latin typeface="Courier"/>
-                <a:cs typeface="Courier"/>
-              </a:rPr>
-              <a:t> = "id")</a:t>
-            </a:r>
-          </a:p>
-          <a:p>
-            <a:pPr marL="0" indent="0">
-              <a:buNone/>
-            </a:pPr>
-            <a:r>
-              <a:rPr lang="fi-FI" sz="1600" dirty="0" smtClean="0">
-                <a:latin typeface="Courier"/>
-                <a:cs typeface="Courier"/>
-              </a:rPr>
-              <a:t>m &lt;- </a:t>
-            </a:r>
-            <a:r>
-              <a:rPr lang="fi-FI" sz="1600" dirty="0" err="1" smtClean="0">
-                <a:latin typeface="Courier"/>
-                <a:cs typeface="Courier"/>
-              </a:rPr>
-              <a:t>merge(m</a:t>
-            </a:r>
-            <a:r>
-              <a:rPr lang="fi-FI" sz="1600" dirty="0" smtClean="0">
-                <a:latin typeface="Courier"/>
-                <a:cs typeface="Courier"/>
-              </a:rPr>
-              <a:t>, </a:t>
-            </a:r>
-            <a:r>
-              <a:rPr lang="fi-FI" sz="1600" dirty="0" err="1" smtClean="0">
-                <a:latin typeface="Courier"/>
-                <a:cs typeface="Courier"/>
-              </a:rPr>
-              <a:t>skin</a:t>
-            </a:r>
-            <a:r>
-              <a:rPr lang="fi-FI" sz="1600" dirty="0" smtClean="0">
-                <a:latin typeface="Courier"/>
-                <a:cs typeface="Courier"/>
-              </a:rPr>
-              <a:t>, </a:t>
-            </a:r>
-            <a:r>
-              <a:rPr lang="fi-FI" sz="1600" dirty="0" err="1" smtClean="0">
-                <a:latin typeface="Courier"/>
-                <a:cs typeface="Courier"/>
-              </a:rPr>
-              <a:t>by</a:t>
-            </a:r>
-            <a:r>
-              <a:rPr lang="fi-FI" sz="1600" dirty="0" smtClean="0">
-                <a:latin typeface="Courier"/>
-                <a:cs typeface="Courier"/>
-              </a:rPr>
-              <a:t> = "id")</a:t>
-            </a:r>
-          </a:p>
-          <a:p>
-            <a:pPr marL="0" indent="0">
-              <a:buNone/>
-            </a:pPr>
-            <a:r>
-              <a:rPr lang="fi-FI" sz="1600" dirty="0" err="1" smtClean="0">
-                <a:latin typeface="Courier"/>
-                <a:cs typeface="Courier"/>
-              </a:rPr>
-              <a:t>xlim</a:t>
-            </a:r>
-            <a:r>
-              <a:rPr lang="fi-FI" sz="1600" dirty="0" smtClean="0">
-                <a:latin typeface="Courier"/>
-                <a:cs typeface="Courier"/>
-              </a:rPr>
-              <a:t> &lt;- range(log(m$pm25), </a:t>
-            </a:r>
-            <a:r>
-              <a:rPr lang="fi-FI" sz="1600" dirty="0" err="1" smtClean="0">
-                <a:latin typeface="Courier"/>
-                <a:cs typeface="Courier"/>
-              </a:rPr>
-              <a:t>na.rm</a:t>
-            </a:r>
-            <a:r>
-              <a:rPr lang="fi-FI" sz="1600" dirty="0" smtClean="0">
-                <a:latin typeface="Courier"/>
-                <a:cs typeface="Courier"/>
-              </a:rPr>
-              <a:t> = TRUE)</a:t>
-            </a:r>
-          </a:p>
-          <a:p>
-            <a:pPr marL="0" indent="0">
-              <a:buNone/>
-            </a:pPr>
-            <a:r>
-              <a:rPr lang="fi-FI" sz="1600" dirty="0" err="1" smtClean="0">
-                <a:latin typeface="Courier"/>
-                <a:cs typeface="Courier"/>
-              </a:rPr>
-              <a:t>ylim</a:t>
-            </a:r>
-            <a:r>
-              <a:rPr lang="fi-FI" sz="1600" dirty="0" smtClean="0">
-                <a:latin typeface="Courier"/>
-                <a:cs typeface="Courier"/>
-              </a:rPr>
-              <a:t> &lt;- </a:t>
-            </a:r>
-            <a:r>
-              <a:rPr lang="fi-FI" sz="1600" dirty="0" err="1" smtClean="0">
-                <a:latin typeface="Courier"/>
-                <a:cs typeface="Courier"/>
-              </a:rPr>
-              <a:t>range(log(m$eno</a:t>
-            </a:r>
-            <a:r>
-              <a:rPr lang="fi-FI" sz="1600" dirty="0" smtClean="0">
-                <a:latin typeface="Courier"/>
-                <a:cs typeface="Courier"/>
-              </a:rPr>
-              <a:t>), </a:t>
-            </a:r>
-            <a:r>
-              <a:rPr lang="fi-FI" sz="1600" dirty="0" err="1" smtClean="0">
-                <a:latin typeface="Courier"/>
-                <a:cs typeface="Courier"/>
-              </a:rPr>
-              <a:t>na.rm</a:t>
-            </a:r>
-            <a:r>
-              <a:rPr lang="fi-FI" sz="1600" dirty="0" smtClean="0">
-                <a:latin typeface="Courier"/>
-                <a:cs typeface="Courier"/>
-              </a:rPr>
-              <a:t> = TRUE)</a:t>
-            </a:r>
-          </a:p>
-          <a:p>
-            <a:pPr marL="0" indent="0">
-              <a:buNone/>
-            </a:pPr>
-            <a:endParaRPr lang="fi-FI" sz="1600" dirty="0">
-              <a:latin typeface="Courier"/>
-              <a:cs typeface="Courier"/>
-            </a:endParaRPr>
-          </a:p>
-          <a:p>
-            <a:pPr marL="0" indent="0">
-              <a:buNone/>
-            </a:pPr>
-            <a:r>
-              <a:rPr lang="fi-FI" sz="1400" dirty="0" err="1" smtClean="0">
-                <a:latin typeface="Courier"/>
-                <a:cs typeface="Courier"/>
-              </a:rPr>
-              <a:t>manipulate</a:t>
-            </a:r>
-            <a:r>
-              <a:rPr lang="fi-FI" sz="1400" dirty="0" smtClean="0">
-                <a:latin typeface="Courier"/>
-                <a:cs typeface="Courier"/>
-              </a:rPr>
-              <a:t>(</a:t>
-            </a:r>
-          </a:p>
-          <a:p>
-            <a:pPr marL="0" indent="0">
-              <a:buNone/>
-            </a:pPr>
-            <a:r>
-              <a:rPr lang="fi-FI" sz="1400" dirty="0" smtClean="0">
-                <a:latin typeface="Courier"/>
-                <a:cs typeface="Courier"/>
-              </a:rPr>
-              <a:t>        </a:t>
-            </a:r>
-            <a:r>
-              <a:rPr lang="fi-FI" sz="1400" dirty="0" err="1" smtClean="0">
-                <a:latin typeface="Courier"/>
-                <a:cs typeface="Courier"/>
-              </a:rPr>
-              <a:t>with(m[m$mopos</a:t>
-            </a:r>
-            <a:r>
-              <a:rPr lang="fi-FI" sz="1400" dirty="0" smtClean="0">
-                <a:latin typeface="Courier"/>
-                <a:cs typeface="Courier"/>
-              </a:rPr>
-              <a:t> == </a:t>
-            </a:r>
-            <a:r>
-              <a:rPr lang="fi-FI" sz="1400" dirty="0" err="1" smtClean="0">
-                <a:latin typeface="Courier"/>
-                <a:cs typeface="Courier"/>
-              </a:rPr>
-              <a:t>allergic</a:t>
-            </a:r>
-            <a:r>
-              <a:rPr lang="fi-FI" sz="1400" dirty="0" smtClean="0">
-                <a:latin typeface="Courier"/>
-                <a:cs typeface="Courier"/>
-              </a:rPr>
-              <a:t>, ], {</a:t>
-            </a:r>
-          </a:p>
-          <a:p>
-            <a:pPr marL="0" indent="0">
-              <a:buNone/>
-            </a:pPr>
-            <a:r>
-              <a:rPr lang="fi-FI" sz="1400" dirty="0" smtClean="0">
-                <a:latin typeface="Courier"/>
-                <a:cs typeface="Courier"/>
-              </a:rPr>
-              <a:t>                plot(log(pm25), </a:t>
-            </a:r>
-            <a:r>
-              <a:rPr lang="fi-FI" sz="1400" dirty="0" err="1" smtClean="0">
-                <a:latin typeface="Courier"/>
-                <a:cs typeface="Courier"/>
-              </a:rPr>
-              <a:t>log(eno</a:t>
-            </a:r>
-            <a:r>
-              <a:rPr lang="fi-FI" sz="1400" dirty="0" smtClean="0">
-                <a:latin typeface="Courier"/>
-                <a:cs typeface="Courier"/>
-              </a:rPr>
-              <a:t>), </a:t>
-            </a:r>
-            <a:r>
-              <a:rPr lang="fi-FI" sz="1400" dirty="0" err="1" smtClean="0">
-                <a:latin typeface="Courier"/>
-                <a:cs typeface="Courier"/>
-              </a:rPr>
-              <a:t>xlim</a:t>
-            </a:r>
-            <a:r>
-              <a:rPr lang="fi-FI" sz="1400" dirty="0" smtClean="0">
-                <a:latin typeface="Courier"/>
-                <a:cs typeface="Courier"/>
-              </a:rPr>
-              <a:t> = </a:t>
-            </a:r>
-            <a:r>
-              <a:rPr lang="fi-FI" sz="1400" dirty="0" err="1" smtClean="0">
-                <a:latin typeface="Courier"/>
-                <a:cs typeface="Courier"/>
-              </a:rPr>
-              <a:t>xlim</a:t>
-            </a:r>
-            <a:r>
-              <a:rPr lang="fi-FI" sz="1400" dirty="0" smtClean="0">
-                <a:latin typeface="Courier"/>
-                <a:cs typeface="Courier"/>
-              </a:rPr>
-              <a:t>, </a:t>
-            </a:r>
-            <a:r>
-              <a:rPr lang="fi-FI" sz="1400" dirty="0" err="1" smtClean="0">
-                <a:latin typeface="Courier"/>
-                <a:cs typeface="Courier"/>
-              </a:rPr>
-              <a:t>ylim</a:t>
-            </a:r>
-            <a:r>
-              <a:rPr lang="fi-FI" sz="1400" dirty="0" smtClean="0">
-                <a:latin typeface="Courier"/>
-                <a:cs typeface="Courier"/>
-              </a:rPr>
-              <a:t> = </a:t>
-            </a:r>
-            <a:r>
-              <a:rPr lang="fi-FI" sz="1400" dirty="0" err="1" smtClean="0">
-                <a:latin typeface="Courier"/>
-                <a:cs typeface="Courier"/>
-              </a:rPr>
-              <a:t>ylim</a:t>
-            </a:r>
-            <a:r>
-              <a:rPr lang="fi-FI" sz="1400" dirty="0" smtClean="0">
-                <a:latin typeface="Courier"/>
-                <a:cs typeface="Courier"/>
-              </a:rPr>
-              <a:t>, </a:t>
-            </a:r>
-            <a:r>
-              <a:rPr lang="fi-FI" sz="1400" dirty="0" err="1" smtClean="0">
-                <a:latin typeface="Courier"/>
-                <a:cs typeface="Courier"/>
-              </a:rPr>
-              <a:t>type</a:t>
-            </a:r>
-            <a:r>
-              <a:rPr lang="fi-FI" sz="1400" dirty="0" smtClean="0">
-                <a:latin typeface="Courier"/>
-                <a:cs typeface="Courier"/>
-              </a:rPr>
-              <a:t> = "n")</a:t>
-            </a:r>
-          </a:p>
-          <a:p>
-            <a:pPr marL="0" indent="0">
-              <a:buNone/>
-            </a:pPr>
-            <a:r>
-              <a:rPr lang="fi-FI" sz="1400" dirty="0" smtClean="0">
-                <a:latin typeface="Courier"/>
-                <a:cs typeface="Courier"/>
-              </a:rPr>
-              <a:t>                </a:t>
-            </a:r>
-            <a:r>
-              <a:rPr lang="fi-FI" sz="1400" dirty="0" err="1" smtClean="0">
-                <a:latin typeface="Courier"/>
-                <a:cs typeface="Courier"/>
-              </a:rPr>
-              <a:t>abline(lm(log(eno</a:t>
-            </a:r>
-            <a:r>
-              <a:rPr lang="fi-FI" sz="1400" dirty="0" smtClean="0">
-                <a:latin typeface="Courier"/>
-                <a:cs typeface="Courier"/>
-              </a:rPr>
-              <a:t>) ~ log(pm25)))</a:t>
-            </a:r>
-          </a:p>
-          <a:p>
-            <a:pPr marL="0" indent="0">
-              <a:buNone/>
-            </a:pPr>
-            <a:r>
-              <a:rPr lang="fi-FI" sz="1400" dirty="0" smtClean="0">
-                <a:latin typeface="Courier"/>
-                <a:cs typeface="Courier"/>
-              </a:rPr>
-              <a:t>                </a:t>
-            </a:r>
-            <a:r>
-              <a:rPr lang="fi-FI" sz="1400" dirty="0" err="1" smtClean="0">
-                <a:latin typeface="Courier"/>
-                <a:cs typeface="Courier"/>
-              </a:rPr>
-              <a:t>if(addpoints</a:t>
-            </a:r>
-            <a:r>
-              <a:rPr lang="fi-FI" sz="1400" dirty="0" smtClean="0">
-                <a:latin typeface="Courier"/>
-                <a:cs typeface="Courier"/>
-              </a:rPr>
-              <a:t>) </a:t>
-            </a:r>
-          </a:p>
-          <a:p>
-            <a:pPr marL="0" indent="0">
-              <a:buNone/>
-            </a:pPr>
-            <a:r>
-              <a:rPr lang="fi-FI" sz="1400" dirty="0" smtClean="0">
-                <a:latin typeface="Courier"/>
-                <a:cs typeface="Courier"/>
-              </a:rPr>
-              <a:t>                        points(log(pm25), </a:t>
-            </a:r>
-            <a:r>
-              <a:rPr lang="fi-FI" sz="1400" dirty="0" err="1" smtClean="0">
-                <a:latin typeface="Courier"/>
-                <a:cs typeface="Courier"/>
-              </a:rPr>
-              <a:t>log(eno</a:t>
-            </a:r>
-            <a:r>
-              <a:rPr lang="fi-FI" sz="1400" dirty="0" smtClean="0">
-                <a:latin typeface="Courier"/>
-                <a:cs typeface="Courier"/>
-              </a:rPr>
-              <a:t>), </a:t>
-            </a:r>
-            <a:r>
-              <a:rPr lang="fi-FI" sz="1400" dirty="0" err="1" smtClean="0">
-                <a:latin typeface="Courier"/>
-                <a:cs typeface="Courier"/>
-              </a:rPr>
-              <a:t>pch</a:t>
-            </a:r>
-            <a:r>
-              <a:rPr lang="fi-FI" sz="1400" dirty="0" smtClean="0">
-                <a:latin typeface="Courier"/>
-                <a:cs typeface="Courier"/>
-              </a:rPr>
-              <a:t> = 20)</a:t>
-            </a:r>
-          </a:p>
-          <a:p>
-            <a:pPr marL="0" indent="0">
-              <a:buNone/>
-            </a:pPr>
-            <a:r>
-              <a:rPr lang="fi-FI" sz="1400" dirty="0" smtClean="0">
-                <a:latin typeface="Courier"/>
-                <a:cs typeface="Courier"/>
-              </a:rPr>
-              <a:t>        }),</a:t>
-            </a:r>
-          </a:p>
-          <a:p>
-            <a:pPr marL="0" indent="0">
-              <a:buNone/>
-            </a:pPr>
-            <a:r>
-              <a:rPr lang="fi-FI" sz="1400" dirty="0" smtClean="0">
-                <a:latin typeface="Courier"/>
-                <a:cs typeface="Courier"/>
-              </a:rPr>
-              <a:t>        </a:t>
-            </a:r>
-            <a:r>
-              <a:rPr lang="fi-FI" sz="1400" dirty="0" err="1" smtClean="0">
-                <a:latin typeface="Courier"/>
-                <a:cs typeface="Courier"/>
-              </a:rPr>
-              <a:t>allergic</a:t>
-            </a:r>
-            <a:r>
-              <a:rPr lang="fi-FI" sz="1400" dirty="0" smtClean="0">
-                <a:latin typeface="Courier"/>
-                <a:cs typeface="Courier"/>
-              </a:rPr>
-              <a:t> = </a:t>
-            </a:r>
-            <a:r>
-              <a:rPr lang="fi-FI" sz="1400" dirty="0" err="1" smtClean="0">
-                <a:latin typeface="Courier"/>
-                <a:cs typeface="Courier"/>
-              </a:rPr>
-              <a:t>picker("Yes</a:t>
-            </a:r>
-            <a:r>
-              <a:rPr lang="fi-FI" sz="1400" dirty="0" smtClean="0">
-                <a:latin typeface="Courier"/>
-                <a:cs typeface="Courier"/>
-              </a:rPr>
-              <a:t>" = "</a:t>
-            </a:r>
-            <a:r>
-              <a:rPr lang="fi-FI" sz="1400" dirty="0" err="1" smtClean="0">
-                <a:latin typeface="Courier"/>
-                <a:cs typeface="Courier"/>
-              </a:rPr>
-              <a:t>yes</a:t>
-            </a:r>
-            <a:r>
-              <a:rPr lang="fi-FI" sz="1400" dirty="0" smtClean="0">
-                <a:latin typeface="Courier"/>
-                <a:cs typeface="Courier"/>
-              </a:rPr>
-              <a:t>", "No" = "no", </a:t>
-            </a:r>
-            <a:r>
-              <a:rPr lang="fi-FI" sz="1400" dirty="0" err="1" smtClean="0">
-                <a:latin typeface="Courier"/>
-                <a:cs typeface="Courier"/>
-              </a:rPr>
-              <a:t>label</a:t>
-            </a:r>
-            <a:r>
-              <a:rPr lang="fi-FI" sz="1400" dirty="0" smtClean="0">
-                <a:latin typeface="Courier"/>
-                <a:cs typeface="Courier"/>
-              </a:rPr>
-              <a:t> = "Mouse </a:t>
-            </a:r>
-            <a:r>
-              <a:rPr lang="fi-FI" sz="1400" dirty="0" err="1" smtClean="0">
-                <a:latin typeface="Courier"/>
-                <a:cs typeface="Courier"/>
-              </a:rPr>
-              <a:t>Allergic</a:t>
-            </a:r>
-            <a:r>
-              <a:rPr lang="fi-FI" sz="1400" dirty="0" smtClean="0">
-                <a:latin typeface="Courier"/>
-                <a:cs typeface="Courier"/>
-              </a:rPr>
-              <a:t>?"),</a:t>
-            </a:r>
-          </a:p>
-          <a:p>
-            <a:pPr marL="0" indent="0">
-              <a:buNone/>
-            </a:pPr>
-            <a:r>
-              <a:rPr lang="fi-FI" sz="1400" dirty="0" smtClean="0">
-                <a:latin typeface="Courier"/>
-                <a:cs typeface="Courier"/>
-              </a:rPr>
-              <a:t>        </a:t>
-            </a:r>
-            <a:r>
-              <a:rPr lang="fi-FI" sz="1400" dirty="0" err="1" smtClean="0">
-                <a:latin typeface="Courier"/>
-                <a:cs typeface="Courier"/>
-              </a:rPr>
-              <a:t>addpoints</a:t>
-            </a:r>
-            <a:r>
-              <a:rPr lang="fi-FI" sz="1400" dirty="0" smtClean="0">
-                <a:latin typeface="Courier"/>
-                <a:cs typeface="Courier"/>
-              </a:rPr>
-              <a:t> = </a:t>
-            </a:r>
-            <a:r>
-              <a:rPr lang="fi-FI" sz="1400" dirty="0" err="1" smtClean="0">
-                <a:latin typeface="Courier"/>
-                <a:cs typeface="Courier"/>
-              </a:rPr>
-              <a:t>checkbox(FALSE</a:t>
-            </a:r>
-            <a:r>
-              <a:rPr lang="fi-FI" sz="1400" dirty="0" smtClean="0">
-                <a:latin typeface="Courier"/>
-                <a:cs typeface="Courier"/>
-              </a:rPr>
-              <a:t>, "</a:t>
-            </a:r>
-            <a:r>
-              <a:rPr lang="fi-FI" sz="1400" dirty="0" err="1" smtClean="0">
-                <a:latin typeface="Courier"/>
-                <a:cs typeface="Courier"/>
-              </a:rPr>
-              <a:t>Add</a:t>
-            </a:r>
-            <a:r>
-              <a:rPr lang="fi-FI" sz="1400" dirty="0" smtClean="0">
-                <a:latin typeface="Courier"/>
-                <a:cs typeface="Courier"/>
-              </a:rPr>
-              <a:t> </a:t>
-            </a:r>
-            <a:r>
-              <a:rPr lang="fi-FI" sz="1400" dirty="0" err="1" smtClean="0">
-                <a:latin typeface="Courier"/>
-                <a:cs typeface="Courier"/>
-              </a:rPr>
-              <a:t>Points</a:t>
-            </a:r>
-            <a:r>
-              <a:rPr lang="fi-FI" sz="1400" dirty="0" smtClean="0">
-                <a:latin typeface="Courier"/>
-                <a:cs typeface="Courier"/>
-              </a:rPr>
-              <a:t>?")</a:t>
-            </a:r>
-          </a:p>
-          <a:p>
-            <a:pPr marL="0" indent="0">
-              <a:buNone/>
-            </a:pPr>
-            <a:r>
-              <a:rPr lang="fi-FI" sz="1400" dirty="0" smtClean="0">
-                <a:latin typeface="Courier"/>
-                <a:cs typeface="Courier"/>
-              </a:rPr>
-              <a:t>)</a:t>
-            </a:r>
-          </a:p>
-          <a:p>
-            <a:pPr marL="0" indent="0">
-              <a:buNone/>
-            </a:pPr>
-            <a:endParaRPr lang="fi-FI" sz="1400" dirty="0" smtClean="0">
-              <a:latin typeface="Courier"/>
-              <a:cs typeface="Courier"/>
-            </a:endParaRPr>
-          </a:p>
-          <a:p>
-            <a:pPr marL="0" indent="0">
-              <a:buNone/>
-            </a:pPr>
-            <a:endParaRPr lang="en-US" sz="1600" dirty="0">
-              <a:latin typeface="Courier"/>
-              <a:cs typeface="Courier"/>
-            </a:endParaRPr>
-          </a:p>
-        </p:txBody>
-      </p:sp>
-      <p:grpSp>
-        <p:nvGrpSpPr>
-          <p:cNvPr id="8" name="Group 7"/>
-          <p:cNvGrpSpPr/>
-          <p:nvPr/>
-        </p:nvGrpSpPr>
-        <p:grpSpPr>
-          <a:xfrm>
-            <a:off x="457200" y="1600200"/>
-            <a:ext cx="7628824" cy="1253114"/>
-            <a:chOff x="457200" y="1600200"/>
-            <a:chExt cx="7628824" cy="1253114"/>
-          </a:xfrm>
-        </p:grpSpPr>
-        <p:sp>
-          <p:nvSpPr>
-            <p:cNvPr id="4" name="Rectangle 3"/>
-            <p:cNvSpPr/>
-            <p:nvPr/>
-          </p:nvSpPr>
-          <p:spPr>
-            <a:xfrm>
-              <a:off x="457200" y="1600200"/>
-              <a:ext cx="4220798" cy="1253114"/>
-            </a:xfrm>
-            <a:prstGeom prst="rect">
-              <a:avLst/>
-            </a:prstGeom>
-            <a:gradFill flip="none" rotWithShape="1">
-              <a:gsLst>
-                <a:gs pos="0">
-                  <a:schemeClr val="accent1">
-                    <a:tint val="100000"/>
-                    <a:shade val="100000"/>
-                    <a:satMod val="130000"/>
-                    <a:alpha val="21000"/>
-                  </a:schemeClr>
-                </a:gs>
-                <a:gs pos="100000">
-                  <a:schemeClr val="accent1">
-                    <a:tint val="50000"/>
-                    <a:shade val="100000"/>
-                    <a:satMod val="350000"/>
-                    <a:alpha val="21000"/>
-                  </a:schemeClr>
-                </a:gs>
-              </a:gsLst>
-              <a:lin ang="16200000" scaled="0"/>
-              <a:tileRect/>
-            </a:gradFill>
-          </p:spPr>
-          <p:style>
-            <a:lnRef idx="1">
-              <a:schemeClr val="accent1"/>
-            </a:lnRef>
-            <a:fillRef idx="3">
-              <a:schemeClr val="accent1"/>
-            </a:fillRef>
-            <a:effectRef idx="2">
-              <a:schemeClr val="accent1"/>
-            </a:effectRef>
-            <a:fontRef idx="minor">
-              <a:schemeClr val="lt1"/>
-            </a:fontRef>
-          </p:style>
-          <p:txBody>
-            <a:bodyPr rtlCol="0" anchor="ctr"/>
-            <a:lstStyle/>
-            <a:p>
-              <a:pPr algn="ctr"/>
-              <a:endParaRPr lang="en-US"/>
-            </a:p>
-          </p:txBody>
-        </p:sp>
-        <p:sp>
-          <p:nvSpPr>
-            <p:cNvPr id="6" name="Rounded Rectangle 5"/>
-            <p:cNvSpPr/>
-            <p:nvPr/>
-          </p:nvSpPr>
-          <p:spPr>
-            <a:xfrm>
-              <a:off x="6189103" y="1792363"/>
-              <a:ext cx="1896921" cy="538513"/>
-            </a:xfrm>
-            <a:prstGeom prst="roundRect">
-              <a:avLst/>
-            </a:prstGeom>
-          </p:spPr>
-          <p:style>
-            <a:lnRef idx="1">
-              <a:schemeClr val="accent1"/>
-            </a:lnRef>
-            <a:fillRef idx="3">
-              <a:schemeClr val="accent1"/>
-            </a:fillRef>
-            <a:effectRef idx="2">
-              <a:schemeClr val="accent1"/>
-            </a:effectRef>
-            <a:fontRef idx="minor">
-              <a:schemeClr val="lt1"/>
-            </a:fontRef>
-          </p:style>
-          <p:txBody>
-            <a:bodyPr rtlCol="0" anchor="ctr"/>
-            <a:lstStyle/>
-            <a:p>
-              <a:pPr algn="ctr"/>
-              <a:r>
-                <a:rPr lang="en-US" dirty="0" smtClean="0"/>
-                <a:t>Load/merge data</a:t>
-              </a:r>
-              <a:endParaRPr lang="en-US" dirty="0"/>
-            </a:p>
-          </p:txBody>
-        </p:sp>
-      </p:grpSp>
-      <p:grpSp>
-        <p:nvGrpSpPr>
-          <p:cNvPr id="9" name="Group 8"/>
-          <p:cNvGrpSpPr/>
-          <p:nvPr/>
-        </p:nvGrpSpPr>
-        <p:grpSpPr>
-          <a:xfrm>
-            <a:off x="457199" y="2740788"/>
-            <a:ext cx="7628825" cy="739082"/>
-            <a:chOff x="457199" y="2740788"/>
-            <a:chExt cx="7628825" cy="739082"/>
-          </a:xfrm>
-        </p:grpSpPr>
-        <p:sp>
-          <p:nvSpPr>
-            <p:cNvPr id="5" name="Rectangle 4"/>
-            <p:cNvSpPr/>
-            <p:nvPr/>
-          </p:nvSpPr>
-          <p:spPr>
-            <a:xfrm>
-              <a:off x="457199" y="2917613"/>
-              <a:ext cx="4670915" cy="562257"/>
-            </a:xfrm>
-            <a:prstGeom prst="rect">
-              <a:avLst/>
-            </a:prstGeom>
-            <a:gradFill flip="none" rotWithShape="1">
-              <a:gsLst>
-                <a:gs pos="0">
-                  <a:schemeClr val="accent1">
-                    <a:tint val="100000"/>
-                    <a:shade val="100000"/>
-                    <a:satMod val="130000"/>
-                    <a:alpha val="21000"/>
-                  </a:schemeClr>
-                </a:gs>
-                <a:gs pos="100000">
-                  <a:schemeClr val="accent1">
-                    <a:tint val="50000"/>
-                    <a:shade val="100000"/>
-                    <a:satMod val="350000"/>
-                    <a:alpha val="21000"/>
-                  </a:schemeClr>
-                </a:gs>
-              </a:gsLst>
-              <a:lin ang="16200000" scaled="0"/>
-              <a:tileRect/>
-            </a:gradFill>
-          </p:spPr>
-          <p:style>
-            <a:lnRef idx="1">
-              <a:schemeClr val="accent1"/>
-            </a:lnRef>
-            <a:fillRef idx="3">
-              <a:schemeClr val="accent1"/>
-            </a:fillRef>
-            <a:effectRef idx="2">
-              <a:schemeClr val="accent1"/>
-            </a:effectRef>
-            <a:fontRef idx="minor">
-              <a:schemeClr val="lt1"/>
-            </a:fontRef>
-          </p:style>
-          <p:txBody>
-            <a:bodyPr rtlCol="0" anchor="ctr"/>
-            <a:lstStyle/>
-            <a:p>
-              <a:pPr algn="ctr"/>
-              <a:endParaRPr lang="en-US"/>
-            </a:p>
-          </p:txBody>
-        </p:sp>
-        <p:sp>
-          <p:nvSpPr>
-            <p:cNvPr id="7" name="Rounded Rectangle 6"/>
-            <p:cNvSpPr/>
-            <p:nvPr/>
-          </p:nvSpPr>
-          <p:spPr>
-            <a:xfrm>
-              <a:off x="6189103" y="2740788"/>
-              <a:ext cx="1896921" cy="538513"/>
-            </a:xfrm>
-            <a:prstGeom prst="roundRect">
-              <a:avLst/>
-            </a:prstGeom>
-          </p:spPr>
-          <p:style>
-            <a:lnRef idx="1">
-              <a:schemeClr val="accent1"/>
-            </a:lnRef>
-            <a:fillRef idx="3">
-              <a:schemeClr val="accent1"/>
-            </a:fillRef>
-            <a:effectRef idx="2">
-              <a:schemeClr val="accent1"/>
-            </a:effectRef>
-            <a:fontRef idx="minor">
-              <a:schemeClr val="lt1"/>
-            </a:fontRef>
-          </p:style>
-          <p:txBody>
-            <a:bodyPr rtlCol="0" anchor="ctr"/>
-            <a:lstStyle/>
-            <a:p>
-              <a:pPr algn="ctr"/>
-              <a:r>
-                <a:rPr lang="en-US" dirty="0" smtClean="0"/>
-                <a:t>Set x/y ranges</a:t>
-              </a:r>
-              <a:endParaRPr lang="en-US" dirty="0"/>
-            </a:p>
-          </p:txBody>
-        </p:sp>
-      </p:grpSp>
-      <p:grpSp>
-        <p:nvGrpSpPr>
-          <p:cNvPr id="23" name="Group 22"/>
-          <p:cNvGrpSpPr/>
-          <p:nvPr/>
-        </p:nvGrpSpPr>
-        <p:grpSpPr>
-          <a:xfrm>
-            <a:off x="3801878" y="3407534"/>
-            <a:ext cx="4284146" cy="627294"/>
-            <a:chOff x="3801878" y="3407534"/>
-            <a:chExt cx="4284146" cy="627294"/>
-          </a:xfrm>
-        </p:grpSpPr>
-        <p:sp>
-          <p:nvSpPr>
-            <p:cNvPr id="10" name="Rounded Rectangle 9"/>
-            <p:cNvSpPr/>
-            <p:nvPr/>
-          </p:nvSpPr>
-          <p:spPr>
-            <a:xfrm>
-              <a:off x="5771138" y="3407534"/>
-              <a:ext cx="2314886" cy="627294"/>
-            </a:xfrm>
-            <a:prstGeom prst="roundRect">
-              <a:avLst/>
-            </a:prstGeom>
-          </p:spPr>
-          <p:style>
-            <a:lnRef idx="1">
-              <a:schemeClr val="accent1"/>
-            </a:lnRef>
-            <a:fillRef idx="3">
-              <a:schemeClr val="accent1"/>
-            </a:fillRef>
-            <a:effectRef idx="2">
-              <a:schemeClr val="accent1"/>
-            </a:effectRef>
-            <a:fontRef idx="minor">
-              <a:schemeClr val="lt1"/>
-            </a:fontRef>
-          </p:style>
-          <p:txBody>
-            <a:bodyPr rtlCol="0" anchor="ctr"/>
-            <a:lstStyle/>
-            <a:p>
-              <a:pPr algn="ctr"/>
-              <a:r>
-                <a:rPr lang="en-US" dirty="0" smtClean="0"/>
-                <a:t>Subset based on allergic status</a:t>
-              </a:r>
-              <a:endParaRPr lang="en-US" dirty="0"/>
-            </a:p>
-          </p:txBody>
-        </p:sp>
-        <p:cxnSp>
-          <p:nvCxnSpPr>
-            <p:cNvPr id="12" name="Straight Arrow Connector 11"/>
-            <p:cNvCxnSpPr>
-              <a:stCxn id="10" idx="1"/>
-            </p:cNvCxnSpPr>
-            <p:nvPr/>
-          </p:nvCxnSpPr>
-          <p:spPr>
-            <a:xfrm flipH="1">
-              <a:off x="3801878" y="3721181"/>
-              <a:ext cx="1969260" cy="136821"/>
-            </a:xfrm>
-            <a:prstGeom prst="straightConnector1">
-              <a:avLst/>
-            </a:prstGeom>
-            <a:ln>
-              <a:tailEnd type="arrow"/>
-            </a:ln>
-          </p:spPr>
-          <p:style>
-            <a:lnRef idx="2">
-              <a:schemeClr val="accent1"/>
-            </a:lnRef>
-            <a:fillRef idx="0">
-              <a:schemeClr val="accent1"/>
-            </a:fillRef>
-            <a:effectRef idx="1">
-              <a:schemeClr val="accent1"/>
-            </a:effectRef>
-            <a:fontRef idx="minor">
-              <a:schemeClr val="tx1"/>
-            </a:fontRef>
-          </p:style>
-        </p:cxnSp>
-      </p:grpSp>
-      <p:grpSp>
-        <p:nvGrpSpPr>
-          <p:cNvPr id="24" name="Group 23"/>
-          <p:cNvGrpSpPr/>
-          <p:nvPr/>
-        </p:nvGrpSpPr>
-        <p:grpSpPr>
-          <a:xfrm>
-            <a:off x="3416064" y="4468172"/>
-            <a:ext cx="5658291" cy="627294"/>
-            <a:chOff x="3416064" y="4468172"/>
-            <a:chExt cx="5658291" cy="627294"/>
-          </a:xfrm>
-        </p:grpSpPr>
-        <p:sp>
-          <p:nvSpPr>
-            <p:cNvPr id="13" name="Rounded Rectangle 12"/>
-            <p:cNvSpPr/>
-            <p:nvPr/>
-          </p:nvSpPr>
-          <p:spPr>
-            <a:xfrm>
-              <a:off x="6759469" y="4468172"/>
-              <a:ext cx="2314886" cy="627294"/>
-            </a:xfrm>
-            <a:prstGeom prst="roundRect">
-              <a:avLst/>
-            </a:prstGeom>
-          </p:spPr>
-          <p:style>
-            <a:lnRef idx="1">
-              <a:schemeClr val="accent1"/>
-            </a:lnRef>
-            <a:fillRef idx="3">
-              <a:schemeClr val="accent1"/>
-            </a:fillRef>
-            <a:effectRef idx="2">
-              <a:schemeClr val="accent1"/>
-            </a:effectRef>
-            <a:fontRef idx="minor">
-              <a:schemeClr val="lt1"/>
-            </a:fontRef>
-          </p:style>
-          <p:txBody>
-            <a:bodyPr rtlCol="0" anchor="ctr"/>
-            <a:lstStyle/>
-            <a:p>
-              <a:pPr algn="ctr"/>
-              <a:r>
-                <a:rPr lang="en-US" dirty="0" smtClean="0"/>
-                <a:t>Only add points if user checks box</a:t>
-              </a:r>
-              <a:endParaRPr lang="en-US" dirty="0"/>
-            </a:p>
-          </p:txBody>
-        </p:sp>
-        <p:cxnSp>
-          <p:nvCxnSpPr>
-            <p:cNvPr id="14" name="Straight Arrow Connector 13"/>
-            <p:cNvCxnSpPr>
-              <a:stCxn id="13" idx="1"/>
-            </p:cNvCxnSpPr>
-            <p:nvPr/>
-          </p:nvCxnSpPr>
-          <p:spPr>
-            <a:xfrm flipH="1" flipV="1">
-              <a:off x="3416064" y="4661752"/>
-              <a:ext cx="3343405" cy="120067"/>
-            </a:xfrm>
-            <a:prstGeom prst="straightConnector1">
-              <a:avLst/>
-            </a:prstGeom>
-            <a:ln>
-              <a:tailEnd type="arrow"/>
-            </a:ln>
-          </p:spPr>
-          <p:style>
-            <a:lnRef idx="2">
-              <a:schemeClr val="accent1"/>
-            </a:lnRef>
-            <a:fillRef idx="0">
-              <a:schemeClr val="accent1"/>
-            </a:fillRef>
-            <a:effectRef idx="1">
-              <a:schemeClr val="accent1"/>
-            </a:effectRef>
-            <a:fontRef idx="minor">
-              <a:schemeClr val="tx1"/>
-            </a:fontRef>
-          </p:style>
-        </p:cxnSp>
-      </p:grpSp>
-      <p:grpSp>
-        <p:nvGrpSpPr>
-          <p:cNvPr id="19" name="Group 18"/>
-          <p:cNvGrpSpPr/>
-          <p:nvPr/>
-        </p:nvGrpSpPr>
-        <p:grpSpPr>
-          <a:xfrm>
-            <a:off x="1285729" y="3817818"/>
-            <a:ext cx="2725132" cy="1567000"/>
-            <a:chOff x="1285729" y="3817818"/>
-            <a:chExt cx="2725132" cy="1567000"/>
-          </a:xfrm>
-        </p:grpSpPr>
-        <p:sp>
-          <p:nvSpPr>
-            <p:cNvPr id="17" name="Rectangle 16"/>
-            <p:cNvSpPr/>
-            <p:nvPr/>
-          </p:nvSpPr>
-          <p:spPr>
-            <a:xfrm>
-              <a:off x="3046325" y="3817818"/>
-              <a:ext cx="964536" cy="257200"/>
-            </a:xfrm>
-            <a:prstGeom prst="rect">
-              <a:avLst/>
-            </a:prstGeom>
-            <a:solidFill>
-              <a:srgbClr val="C0504D">
-                <a:alpha val="28000"/>
-              </a:srgbClr>
-            </a:solidFill>
-            <a:ln>
-              <a:solidFill>
-                <a:schemeClr val="accent2"/>
-              </a:solidFill>
-            </a:ln>
-          </p:spPr>
-          <p:style>
-            <a:lnRef idx="1">
-              <a:schemeClr val="accent1"/>
-            </a:lnRef>
-            <a:fillRef idx="3">
-              <a:schemeClr val="accent1"/>
-            </a:fillRef>
-            <a:effectRef idx="2">
-              <a:schemeClr val="accent1"/>
-            </a:effectRef>
-            <a:fontRef idx="minor">
-              <a:schemeClr val="lt1"/>
-            </a:fontRef>
-          </p:style>
-          <p:txBody>
-            <a:bodyPr rtlCol="0" anchor="ctr"/>
-            <a:lstStyle/>
-            <a:p>
-              <a:pPr algn="ctr"/>
-              <a:endParaRPr lang="en-US"/>
-            </a:p>
-          </p:txBody>
-        </p:sp>
-        <p:sp>
-          <p:nvSpPr>
-            <p:cNvPr id="18" name="Rectangle 17"/>
-            <p:cNvSpPr/>
-            <p:nvPr/>
-          </p:nvSpPr>
-          <p:spPr>
-            <a:xfrm>
-              <a:off x="1285729" y="5127618"/>
-              <a:ext cx="964536" cy="257200"/>
-            </a:xfrm>
-            <a:prstGeom prst="rect">
-              <a:avLst/>
-            </a:prstGeom>
-            <a:solidFill>
-              <a:srgbClr val="C0504D">
-                <a:alpha val="28000"/>
-              </a:srgbClr>
-            </a:solidFill>
-            <a:ln>
-              <a:solidFill>
-                <a:schemeClr val="accent2"/>
-              </a:solidFill>
-            </a:ln>
-          </p:spPr>
-          <p:style>
-            <a:lnRef idx="1">
-              <a:schemeClr val="accent1"/>
-            </a:lnRef>
-            <a:fillRef idx="3">
-              <a:schemeClr val="accent1"/>
-            </a:fillRef>
-            <a:effectRef idx="2">
-              <a:schemeClr val="accent1"/>
-            </a:effectRef>
-            <a:fontRef idx="minor">
-              <a:schemeClr val="lt1"/>
-            </a:fontRef>
-          </p:style>
-          <p:txBody>
-            <a:bodyPr rtlCol="0" anchor="ctr"/>
-            <a:lstStyle/>
-            <a:p>
-              <a:pPr algn="ctr"/>
-              <a:endParaRPr lang="en-US"/>
-            </a:p>
-          </p:txBody>
-        </p:sp>
-      </p:grpSp>
-      <p:grpSp>
-        <p:nvGrpSpPr>
-          <p:cNvPr id="20" name="Group 19"/>
-          <p:cNvGrpSpPr/>
-          <p:nvPr/>
-        </p:nvGrpSpPr>
-        <p:grpSpPr>
-          <a:xfrm>
-            <a:off x="1285729" y="4484436"/>
-            <a:ext cx="2081472" cy="1181382"/>
-            <a:chOff x="1133329" y="4332036"/>
-            <a:chExt cx="2081472" cy="1181382"/>
-          </a:xfrm>
-        </p:grpSpPr>
-        <p:sp>
-          <p:nvSpPr>
-            <p:cNvPr id="21" name="Rectangle 20"/>
-            <p:cNvSpPr/>
-            <p:nvPr/>
-          </p:nvSpPr>
-          <p:spPr>
-            <a:xfrm>
-              <a:off x="2250265" y="4332036"/>
-              <a:ext cx="964536" cy="257200"/>
-            </a:xfrm>
-            <a:prstGeom prst="rect">
-              <a:avLst/>
-            </a:prstGeom>
-            <a:solidFill>
-              <a:schemeClr val="accent6">
-                <a:alpha val="28000"/>
-              </a:schemeClr>
-            </a:solidFill>
-            <a:ln>
-              <a:solidFill>
-                <a:schemeClr val="accent6"/>
-              </a:solidFill>
-            </a:ln>
-          </p:spPr>
-          <p:style>
-            <a:lnRef idx="1">
-              <a:schemeClr val="accent1"/>
-            </a:lnRef>
-            <a:fillRef idx="3">
-              <a:schemeClr val="accent1"/>
-            </a:fillRef>
-            <a:effectRef idx="2">
-              <a:schemeClr val="accent1"/>
-            </a:effectRef>
-            <a:fontRef idx="minor">
-              <a:schemeClr val="lt1"/>
-            </a:fontRef>
-          </p:style>
-          <p:txBody>
-            <a:bodyPr rtlCol="0" anchor="ctr"/>
-            <a:lstStyle/>
-            <a:p>
-              <a:pPr algn="ctr"/>
-              <a:endParaRPr lang="en-US"/>
-            </a:p>
-          </p:txBody>
-        </p:sp>
-        <p:sp>
-          <p:nvSpPr>
-            <p:cNvPr id="22" name="Rectangle 21"/>
-            <p:cNvSpPr/>
-            <p:nvPr/>
-          </p:nvSpPr>
-          <p:spPr>
-            <a:xfrm>
-              <a:off x="1133329" y="5256218"/>
-              <a:ext cx="964536" cy="257200"/>
-            </a:xfrm>
-            <a:prstGeom prst="rect">
-              <a:avLst/>
-            </a:prstGeom>
-            <a:solidFill>
-              <a:schemeClr val="accent6">
-                <a:alpha val="28000"/>
-              </a:schemeClr>
-            </a:solidFill>
-            <a:ln>
-              <a:solidFill>
-                <a:schemeClr val="accent6"/>
-              </a:solidFill>
-            </a:ln>
-          </p:spPr>
-          <p:style>
-            <a:lnRef idx="1">
-              <a:schemeClr val="accent1"/>
-            </a:lnRef>
-            <a:fillRef idx="3">
-              <a:schemeClr val="accent1"/>
-            </a:fillRef>
-            <a:effectRef idx="2">
-              <a:schemeClr val="accent1"/>
-            </a:effectRef>
-            <a:fontRef idx="minor">
-              <a:schemeClr val="lt1"/>
-            </a:fontRef>
-          </p:style>
-          <p:txBody>
-            <a:bodyPr rtlCol="0" anchor="ctr"/>
-            <a:lstStyle/>
-            <a:p>
-              <a:pPr algn="ctr"/>
-              <a:endParaRPr lang="en-US"/>
-            </a:p>
-          </p:txBody>
-        </p:sp>
-      </p:grpSp>
+          <a:bodyPr/>
+          <a:lstStyle/>
+          <a:p>
+            <a:r>
+              <a:rPr lang="en-US" dirty="0" smtClean="0"/>
+              <a:t>The components/functions in the </a:t>
+            </a:r>
+            <a:r>
+              <a:rPr lang="en-US" dirty="0" err="1" smtClean="0"/>
+              <a:t>ui.R</a:t>
+            </a:r>
+            <a:r>
+              <a:rPr lang="en-US" dirty="0" smtClean="0"/>
+              <a:t> file communicate with the functions in the </a:t>
+            </a:r>
+            <a:r>
+              <a:rPr lang="en-US" dirty="0" err="1" smtClean="0"/>
+              <a:t>server.R</a:t>
+            </a:r>
+            <a:r>
+              <a:rPr lang="en-US" dirty="0" smtClean="0"/>
+              <a:t> file</a:t>
+            </a:r>
+          </a:p>
+          <a:p>
+            <a:r>
+              <a:rPr lang="en-US" dirty="0" smtClean="0"/>
+              <a:t>Communication is done by passing R objects back and forth in the background</a:t>
+            </a:r>
+          </a:p>
+          <a:p>
+            <a:r>
+              <a:rPr lang="en-US" dirty="0" smtClean="0"/>
+              <a:t>Communication depends on mutually agreed upon variable/object names</a:t>
+            </a:r>
+            <a:endParaRPr lang="en-US" dirty="0"/>
+          </a:p>
+        </p:txBody>
+      </p:sp>
     </p:spTree>
     <p:extLst>
       <p:ext uri="{BB962C8B-B14F-4D97-AF65-F5344CB8AC3E}">
-        <p14:creationId xmlns:p14="http://schemas.microsoft.com/office/powerpoint/2010/main" val="2002669073"/>
+        <p14:creationId xmlns:p14="http://schemas.microsoft.com/office/powerpoint/2010/main" val="3637265925"/>
       </p:ext>
     </p:extLst>
   </p:cSld>
@@ -9505,300 +6712,7 @@
   <p:timing>
     <p:tnLst>
       <p:par>
-        <p:cTn xmlns:p14="http://schemas.microsoft.com/office/powerpoint/2010/main" id="1" dur="indefinite" restart="never" nodeType="tmRoot">
-          <p:childTnLst>
-            <p:seq concurrent="1" nextAc="seek">
-              <p:cTn id="2" dur="indefinite" nodeType="mainSeq">
-                <p:childTnLst>
-                  <p:par>
-                    <p:cTn id="3" fill="hold">
-                      <p:stCondLst>
-                        <p:cond delay="indefinite"/>
-                      </p:stCondLst>
-                      <p:childTnLst>
-                        <p:par>
-                          <p:cTn id="4" fill="hold">
-                            <p:stCondLst>
-                              <p:cond delay="0"/>
-                            </p:stCondLst>
-                            <p:childTnLst>
-                              <p:par>
-                                <p:cTn id="5" presetID="1" presetClass="entr" presetSubtype="0" fill="hold" nodeType="clickEffect">
-                                  <p:stCondLst>
-                                    <p:cond delay="0"/>
-                                  </p:stCondLst>
-                                  <p:childTnLst>
-                                    <p:set>
-                                      <p:cBhvr>
-                                        <p:cTn id="6" dur="1" fill="hold">
-                                          <p:stCondLst>
-                                            <p:cond delay="0"/>
-                                          </p:stCondLst>
-                                        </p:cTn>
-                                        <p:tgtEl>
-                                          <p:spTgt spid="8"/>
-                                        </p:tgtEl>
-                                        <p:attrNameLst>
-                                          <p:attrName>style.visibility</p:attrName>
-                                        </p:attrNameLst>
-                                      </p:cBhvr>
-                                      <p:to>
-                                        <p:strVal val="visible"/>
-                                      </p:to>
-                                    </p:set>
-                                  </p:childTnLst>
-                                </p:cTn>
-                              </p:par>
-                            </p:childTnLst>
-                          </p:cTn>
-                        </p:par>
-                      </p:childTnLst>
-                    </p:cTn>
-                  </p:par>
-                  <p:par>
-                    <p:cTn id="7" fill="hold">
-                      <p:stCondLst>
-                        <p:cond delay="indefinite"/>
-                      </p:stCondLst>
-                      <p:childTnLst>
-                        <p:par>
-                          <p:cTn id="8" fill="hold">
-                            <p:stCondLst>
-                              <p:cond delay="0"/>
-                            </p:stCondLst>
-                            <p:childTnLst>
-                              <p:par>
-                                <p:cTn id="9" presetID="1" presetClass="entr" presetSubtype="0" fill="hold" nodeType="clickEffect">
-                                  <p:stCondLst>
-                                    <p:cond delay="0"/>
-                                  </p:stCondLst>
-                                  <p:childTnLst>
-                                    <p:set>
-                                      <p:cBhvr>
-                                        <p:cTn id="10" dur="1" fill="hold">
-                                          <p:stCondLst>
-                                            <p:cond delay="0"/>
-                                          </p:stCondLst>
-                                        </p:cTn>
-                                        <p:tgtEl>
-                                          <p:spTgt spid="9"/>
-                                        </p:tgtEl>
-                                        <p:attrNameLst>
-                                          <p:attrName>style.visibility</p:attrName>
-                                        </p:attrNameLst>
-                                      </p:cBhvr>
-                                      <p:to>
-                                        <p:strVal val="visible"/>
-                                      </p:to>
-                                    </p:set>
-                                  </p:childTnLst>
-                                </p:cTn>
-                              </p:par>
-                            </p:childTnLst>
-                          </p:cTn>
-                        </p:par>
-                      </p:childTnLst>
-                    </p:cTn>
-                  </p:par>
-                  <p:par>
-                    <p:cTn id="11" fill="hold">
-                      <p:stCondLst>
-                        <p:cond delay="indefinite"/>
-                      </p:stCondLst>
-                      <p:childTnLst>
-                        <p:par>
-                          <p:cTn id="12" fill="hold">
-                            <p:stCondLst>
-                              <p:cond delay="0"/>
-                            </p:stCondLst>
-                            <p:childTnLst>
-                              <p:par>
-                                <p:cTn id="13" presetID="1" presetClass="entr" presetSubtype="0" fill="hold" nodeType="clickEffect">
-                                  <p:stCondLst>
-                                    <p:cond delay="0"/>
-                                  </p:stCondLst>
-                                  <p:childTnLst>
-                                    <p:set>
-                                      <p:cBhvr>
-                                        <p:cTn id="14" dur="1" fill="hold">
-                                          <p:stCondLst>
-                                            <p:cond delay="0"/>
-                                          </p:stCondLst>
-                                        </p:cTn>
-                                        <p:tgtEl>
-                                          <p:spTgt spid="23"/>
-                                        </p:tgtEl>
-                                        <p:attrNameLst>
-                                          <p:attrName>style.visibility</p:attrName>
-                                        </p:attrNameLst>
-                                      </p:cBhvr>
-                                      <p:to>
-                                        <p:strVal val="visible"/>
-                                      </p:to>
-                                    </p:set>
-                                  </p:childTnLst>
-                                </p:cTn>
-                              </p:par>
-                            </p:childTnLst>
-                          </p:cTn>
-                        </p:par>
-                      </p:childTnLst>
-                    </p:cTn>
-                  </p:par>
-                  <p:par>
-                    <p:cTn id="15" fill="hold">
-                      <p:stCondLst>
-                        <p:cond delay="indefinite"/>
-                      </p:stCondLst>
-                      <p:childTnLst>
-                        <p:par>
-                          <p:cTn id="16" fill="hold">
-                            <p:stCondLst>
-                              <p:cond delay="0"/>
-                            </p:stCondLst>
-                            <p:childTnLst>
-                              <p:par>
-                                <p:cTn id="17" presetID="1" presetClass="entr" presetSubtype="0" fill="hold" nodeType="clickEffect">
-                                  <p:stCondLst>
-                                    <p:cond delay="0"/>
-                                  </p:stCondLst>
-                                  <p:childTnLst>
-                                    <p:set>
-                                      <p:cBhvr>
-                                        <p:cTn id="18" dur="1" fill="hold">
-                                          <p:stCondLst>
-                                            <p:cond delay="0"/>
-                                          </p:stCondLst>
-                                        </p:cTn>
-                                        <p:tgtEl>
-                                          <p:spTgt spid="24"/>
-                                        </p:tgtEl>
-                                        <p:attrNameLst>
-                                          <p:attrName>style.visibility</p:attrName>
-                                        </p:attrNameLst>
-                                      </p:cBhvr>
-                                      <p:to>
-                                        <p:strVal val="visible"/>
-                                      </p:to>
-                                    </p:set>
-                                  </p:childTnLst>
-                                </p:cTn>
-                              </p:par>
-                            </p:childTnLst>
-                          </p:cTn>
-                        </p:par>
-                      </p:childTnLst>
-                    </p:cTn>
-                  </p:par>
-                  <p:par>
-                    <p:cTn id="19" fill="hold">
-                      <p:stCondLst>
-                        <p:cond delay="indefinite"/>
-                      </p:stCondLst>
-                      <p:childTnLst>
-                        <p:par>
-                          <p:cTn id="20" fill="hold">
-                            <p:stCondLst>
-                              <p:cond delay="0"/>
-                            </p:stCondLst>
-                            <p:childTnLst>
-                              <p:par>
-                                <p:cTn id="21" presetID="1" presetClass="entr" presetSubtype="0" fill="hold" nodeType="clickEffect">
-                                  <p:stCondLst>
-                                    <p:cond delay="0"/>
-                                  </p:stCondLst>
-                                  <p:childTnLst>
-                                    <p:set>
-                                      <p:cBhvr>
-                                        <p:cTn id="22" dur="1" fill="hold">
-                                          <p:stCondLst>
-                                            <p:cond delay="0"/>
-                                          </p:stCondLst>
-                                        </p:cTn>
-                                        <p:tgtEl>
-                                          <p:spTgt spid="19"/>
-                                        </p:tgtEl>
-                                        <p:attrNameLst>
-                                          <p:attrName>style.visibility</p:attrName>
-                                        </p:attrNameLst>
-                                      </p:cBhvr>
-                                      <p:to>
-                                        <p:strVal val="visible"/>
-                                      </p:to>
-                                    </p:set>
-                                  </p:childTnLst>
-                                </p:cTn>
-                              </p:par>
-                            </p:childTnLst>
-                          </p:cTn>
-                        </p:par>
-                      </p:childTnLst>
-                    </p:cTn>
-                  </p:par>
-                  <p:par>
-                    <p:cTn id="23" fill="hold">
-                      <p:stCondLst>
-                        <p:cond delay="indefinite"/>
-                      </p:stCondLst>
-                      <p:childTnLst>
-                        <p:par>
-                          <p:cTn id="24" fill="hold">
-                            <p:stCondLst>
-                              <p:cond delay="0"/>
-                            </p:stCondLst>
-                            <p:childTnLst>
-                              <p:par>
-                                <p:cTn id="25" presetID="1" presetClass="entr" presetSubtype="0" fill="hold" nodeType="clickEffect">
-                                  <p:stCondLst>
-                                    <p:cond delay="0"/>
-                                  </p:stCondLst>
-                                  <p:childTnLst>
-                                    <p:set>
-                                      <p:cBhvr>
-                                        <p:cTn id="26" dur="1" fill="hold">
-                                          <p:stCondLst>
-                                            <p:cond delay="0"/>
-                                          </p:stCondLst>
-                                        </p:cTn>
-                                        <p:tgtEl>
-                                          <p:spTgt spid="20"/>
-                                        </p:tgtEl>
-                                        <p:attrNameLst>
-                                          <p:attrName>style.visibility</p:attrName>
-                                        </p:attrNameLst>
-                                      </p:cBhvr>
-                                      <p:to>
-                                        <p:strVal val="visible"/>
-                                      </p:to>
-                                    </p:set>
-                                  </p:childTnLst>
-                                </p:cTn>
-                              </p:par>
-                            </p:childTnLst>
-                          </p:cTn>
-                        </p:par>
-                      </p:childTnLst>
-                    </p:cTn>
-                  </p:par>
-                </p:childTnLst>
-              </p:cTn>
-              <p:prevCondLst>
-                <p:cond evt="onPrev" delay="0">
-                  <p:tgtEl>
-                    <p:sldTgt/>
-                  </p:tgtEl>
-                </p:cond>
-              </p:prevCondLst>
-              <p:nextCondLst>
-                <p:cond evt="onNext" delay="0">
-                  <p:tgtEl>
-                    <p:sldTgt/>
-                  </p:tgtEl>
-                </p:cond>
-              </p:nextCondLst>
-            </p:seq>
-          </p:childTnLst>
-        </p:cTn>
+        <p:cTn id="1" dur="indefinite" restart="never" nodeType="tmRoot"/>
       </p:par>
     </p:tnLst>
   </p:timing>
@@ -9838,8 +6752,8 @@
           <a:lstStyle/>
           <a:p>
             <a:r>
-              <a:rPr lang="en-US" dirty="0" smtClean="0"/>
-              <a:t>manipulate</a:t>
+              <a:rPr lang="en-US" dirty="0" err="1" smtClean="0"/>
+              <a:t>ui.R</a:t>
             </a:r>
             <a:endParaRPr lang="en-US" dirty="0"/>
           </a:p>
@@ -9857,44 +6771,226 @@
         </p:nvSpPr>
         <p:spPr/>
         <p:txBody>
-          <a:bodyPr/>
-          <a:lstStyle/>
-          <a:p>
-            <a:r>
-              <a:rPr lang="en-US" dirty="0" smtClean="0"/>
-              <a:t>manipulate requires the use of </a:t>
-            </a:r>
-            <a:r>
-              <a:rPr lang="en-US" dirty="0" err="1" smtClean="0"/>
-              <a:t>RStudio</a:t>
-            </a:r>
-            <a:endParaRPr lang="en-US" dirty="0" smtClean="0"/>
-          </a:p>
-          <a:p>
-            <a:r>
-              <a:rPr lang="en-US" dirty="0" smtClean="0"/>
-              <a:t>Doesn’t allow you to “deploy” your visualization in any useful way</a:t>
-            </a:r>
-          </a:p>
-          <a:p>
-            <a:r>
-              <a:rPr lang="en-US" dirty="0" smtClean="0"/>
-              <a:t>Interactivity is limited (sliders, checkbox, buttons)</a:t>
-            </a:r>
-          </a:p>
-          <a:p>
-            <a:r>
-              <a:rPr lang="en-US" dirty="0" smtClean="0"/>
-              <a:t>But, a good quick and dirty solution!</a:t>
-            </a:r>
-            <a:endParaRPr lang="en-US" dirty="0"/>
+          <a:bodyPr>
+            <a:normAutofit/>
+          </a:bodyPr>
+          <a:lstStyle/>
+          <a:p>
+            <a:pPr marL="0" indent="0">
+              <a:buNone/>
+            </a:pPr>
+            <a:r>
+              <a:rPr lang="en-US" sz="2000" dirty="0" smtClean="0">
+                <a:latin typeface="Courier"/>
+                <a:cs typeface="Courier"/>
+              </a:rPr>
+              <a:t>library(shiny)</a:t>
+            </a:r>
+          </a:p>
+          <a:p>
+            <a:pPr marL="0" indent="0">
+              <a:buNone/>
+            </a:pPr>
+            <a:endParaRPr lang="en-US" sz="2000" dirty="0" smtClean="0">
+              <a:latin typeface="Courier"/>
+              <a:cs typeface="Courier"/>
+            </a:endParaRPr>
+          </a:p>
+          <a:p>
+            <a:pPr marL="0" indent="0">
+              <a:buNone/>
+            </a:pPr>
+            <a:r>
+              <a:rPr lang="en-US" sz="2000" dirty="0" err="1" smtClean="0">
+                <a:latin typeface="Courier"/>
+                <a:cs typeface="Courier"/>
+              </a:rPr>
+              <a:t>shinyUI</a:t>
+            </a:r>
+            <a:r>
+              <a:rPr lang="en-US" sz="2000" dirty="0" smtClean="0">
+                <a:latin typeface="Courier"/>
+                <a:cs typeface="Courier"/>
+              </a:rPr>
+              <a:t>(</a:t>
+            </a:r>
+            <a:r>
+              <a:rPr lang="en-US" sz="2000" dirty="0" err="1" smtClean="0">
+                <a:latin typeface="Courier"/>
+                <a:cs typeface="Courier"/>
+              </a:rPr>
+              <a:t>fluidPage</a:t>
+            </a:r>
+            <a:r>
+              <a:rPr lang="en-US" sz="2000" dirty="0" smtClean="0">
+                <a:latin typeface="Courier"/>
+                <a:cs typeface="Courier"/>
+              </a:rPr>
+              <a:t>(</a:t>
+            </a:r>
+          </a:p>
+          <a:p>
+            <a:pPr marL="0" indent="0">
+              <a:buNone/>
+            </a:pPr>
+            <a:r>
+              <a:rPr lang="en-US" sz="2000" dirty="0" smtClean="0">
+                <a:latin typeface="Courier"/>
+                <a:cs typeface="Courier"/>
+              </a:rPr>
+              <a:t>        </a:t>
+            </a:r>
+            <a:r>
+              <a:rPr lang="en-US" sz="2000" dirty="0" err="1" smtClean="0">
+                <a:latin typeface="Courier"/>
+                <a:cs typeface="Courier"/>
+              </a:rPr>
+              <a:t>titlePanel</a:t>
+            </a:r>
+            <a:r>
+              <a:rPr lang="en-US" sz="2000" dirty="0" smtClean="0">
+                <a:latin typeface="Courier"/>
+                <a:cs typeface="Courier"/>
+              </a:rPr>
+              <a:t>(”Biostatistics </a:t>
+            </a:r>
+            <a:r>
+              <a:rPr lang="en-US" sz="2000" dirty="0" err="1" smtClean="0">
+                <a:latin typeface="Courier"/>
+                <a:cs typeface="Courier"/>
+              </a:rPr>
+              <a:t>Rulz</a:t>
+            </a:r>
+            <a:r>
+              <a:rPr lang="en-US" sz="2000" dirty="0" smtClean="0">
+                <a:latin typeface="Courier"/>
+                <a:cs typeface="Courier"/>
+              </a:rPr>
+              <a:t>!"),</a:t>
+            </a:r>
+          </a:p>
+          <a:p>
+            <a:pPr marL="0" indent="0">
+              <a:buNone/>
+            </a:pPr>
+            <a:r>
+              <a:rPr lang="en-US" sz="2000" dirty="0" smtClean="0">
+                <a:latin typeface="Courier"/>
+                <a:cs typeface="Courier"/>
+              </a:rPr>
+              <a:t>        </a:t>
+            </a:r>
+            <a:r>
+              <a:rPr lang="en-US" sz="2000" dirty="0" err="1" smtClean="0">
+                <a:latin typeface="Courier"/>
+                <a:cs typeface="Courier"/>
+              </a:rPr>
+              <a:t>sidebarPanel</a:t>
+            </a:r>
+            <a:r>
+              <a:rPr lang="en-US" sz="2000" dirty="0" smtClean="0">
+                <a:latin typeface="Courier"/>
+                <a:cs typeface="Courier"/>
+              </a:rPr>
+              <a:t>(</a:t>
+            </a:r>
+          </a:p>
+          <a:p>
+            <a:pPr marL="0" indent="0">
+              <a:buNone/>
+            </a:pPr>
+            <a:r>
+              <a:rPr lang="en-US" sz="2000" dirty="0" smtClean="0">
+                <a:latin typeface="Courier"/>
+                <a:cs typeface="Courier"/>
+              </a:rPr>
+              <a:t>                h3('Sidebar text')</a:t>
+            </a:r>
+          </a:p>
+          <a:p>
+            <a:pPr marL="0" indent="0">
+              <a:buNone/>
+            </a:pPr>
+            <a:r>
+              <a:rPr lang="en-US" sz="2000" dirty="0" smtClean="0">
+                <a:latin typeface="Courier"/>
+                <a:cs typeface="Courier"/>
+              </a:rPr>
+              <a:t>        ),</a:t>
+            </a:r>
+          </a:p>
+          <a:p>
+            <a:pPr marL="0" indent="0">
+              <a:buNone/>
+            </a:pPr>
+            <a:r>
+              <a:rPr lang="en-US" sz="2000" dirty="0" smtClean="0">
+                <a:latin typeface="Courier"/>
+                <a:cs typeface="Courier"/>
+              </a:rPr>
+              <a:t>        </a:t>
+            </a:r>
+            <a:r>
+              <a:rPr lang="en-US" sz="2000" dirty="0" err="1" smtClean="0">
+                <a:latin typeface="Courier"/>
+                <a:cs typeface="Courier"/>
+              </a:rPr>
+              <a:t>mainPanel</a:t>
+            </a:r>
+            <a:r>
+              <a:rPr lang="en-US" sz="2000" dirty="0" smtClean="0">
+                <a:latin typeface="Courier"/>
+                <a:cs typeface="Courier"/>
+              </a:rPr>
+              <a:t>(</a:t>
+            </a:r>
+          </a:p>
+          <a:p>
+            <a:pPr marL="0" indent="0">
+              <a:buNone/>
+            </a:pPr>
+            <a:r>
+              <a:rPr lang="en-US" sz="2000" dirty="0" smtClean="0">
+                <a:latin typeface="Courier"/>
+                <a:cs typeface="Courier"/>
+              </a:rPr>
+              <a:t>                h3('Main Panel text')</a:t>
+            </a:r>
+          </a:p>
+          <a:p>
+            <a:pPr marL="0" indent="0">
+              <a:buNone/>
+            </a:pPr>
+            <a:r>
+              <a:rPr lang="en-US" sz="2000" dirty="0" smtClean="0">
+                <a:latin typeface="Courier"/>
+                <a:cs typeface="Courier"/>
+              </a:rPr>
+              <a:t>        )</a:t>
+            </a:r>
+          </a:p>
+          <a:p>
+            <a:pPr marL="0" indent="0">
+              <a:buNone/>
+            </a:pPr>
+            <a:r>
+              <a:rPr lang="en-US" sz="2000" dirty="0" smtClean="0">
+                <a:latin typeface="Courier"/>
+                <a:cs typeface="Courier"/>
+              </a:rPr>
+              <a:t>))</a:t>
+            </a:r>
+            <a:endParaRPr lang="en-US" sz="2000" dirty="0">
+              <a:latin typeface="Courier"/>
+              <a:cs typeface="Courier"/>
+            </a:endParaRPr>
           </a:p>
         </p:txBody>
       </p:sp>
     </p:spTree>
     <p:extLst>
       <p:ext uri="{BB962C8B-B14F-4D97-AF65-F5344CB8AC3E}">
-        <p14:creationId xmlns:p14="http://schemas.microsoft.com/office/powerpoint/2010/main" val="1367544093"/>
+        <p14:creationId xmlns:p14="http://schemas.microsoft.com/office/powerpoint/2010/main" val="3612649371"/>
       </p:ext>
     </p:extLst>
   </p:cSld>
@@ -9904,7 +7000,7 @@
   <p:timing>
     <p:tnLst>
       <p:par>
-        <p:cTn xmlns:p14="http://schemas.microsoft.com/office/powerpoint/2010/main" id="1" dur="indefinite" restart="never" nodeType="tmRoot"/>
+        <p:cTn id="1" dur="indefinite" restart="never" nodeType="tmRoot"/>
       </p:par>
     </p:tnLst>
   </p:timing>
@@ -9944,8 +7040,8 @@
           <a:lstStyle/>
           <a:p>
             <a:r>
-              <a:rPr lang="en-US" dirty="0" smtClean="0"/>
-              <a:t>Shiny</a:t>
+              <a:rPr lang="en-US" dirty="0" err="1" smtClean="0"/>
+              <a:t>server.R</a:t>
             </a:r>
             <a:endParaRPr lang="en-US" dirty="0"/>
           </a:p>
@@ -9964,54 +7060,97 @@
         <p:spPr/>
         <p:txBody>
           <a:bodyPr>
-            <a:normAutofit fontScale="85000" lnSpcReduction="10000"/>
+            <a:normAutofit/>
           </a:bodyPr>
           <a:lstStyle/>
           <a:p>
-            <a:r>
-              <a:rPr lang="en-US" dirty="0" smtClean="0"/>
-              <a:t>Shiny is a platform for creating interactive R programs embedded into a web page.</a:t>
-            </a:r>
-          </a:p>
-          <a:p>
-            <a:r>
-              <a:rPr lang="en-US" dirty="0" smtClean="0"/>
-              <a:t>Suppose that you create a prediction algorithm, with shiny you can very easily create web input form that calls R and thus your prediction algorithm and displays the results.</a:t>
-            </a:r>
-          </a:p>
-          <a:p>
-            <a:r>
-              <a:rPr lang="en-US" dirty="0" smtClean="0"/>
-              <a:t>Using Shiny, the time to create simple, yet powerful, web-based interactive data products in R is minimized.</a:t>
-            </a:r>
-          </a:p>
-          <a:p>
-            <a:r>
-              <a:rPr lang="en-US" dirty="0" smtClean="0"/>
-              <a:t>However, it lacks the flexibility of full featured (and more complex) solutions.</a:t>
-            </a:r>
-          </a:p>
-          <a:p>
-            <a:r>
-              <a:rPr lang="en-US" dirty="0" smtClean="0"/>
-              <a:t>Shiny is made by the fine folks at </a:t>
-            </a:r>
-            <a:r>
-              <a:rPr lang="en-US" dirty="0" err="1" smtClean="0"/>
-              <a:t>RStudio</a:t>
-            </a:r>
-            <a:r>
-              <a:rPr lang="en-US" dirty="0" smtClean="0"/>
-              <a:t>.</a:t>
-            </a:r>
-            <a:endParaRPr lang="en-US" dirty="0"/>
+            <a:pPr marL="0" indent="0">
+              <a:buNone/>
+            </a:pPr>
+            <a:r>
+              <a:rPr lang="en-US" sz="2400" dirty="0" smtClean="0">
+                <a:latin typeface="Courier"/>
+                <a:cs typeface="Courier"/>
+              </a:rPr>
+              <a:t>library(shiny)</a:t>
+            </a:r>
+          </a:p>
+          <a:p>
+            <a:pPr marL="0" indent="0">
+              <a:buNone/>
+            </a:pPr>
+            <a:endParaRPr lang="en-US" sz="2400" dirty="0" smtClean="0">
+              <a:latin typeface="Courier"/>
+              <a:cs typeface="Courier"/>
+            </a:endParaRPr>
+          </a:p>
+          <a:p>
+            <a:pPr marL="0" indent="0">
+              <a:buNone/>
+            </a:pPr>
+            <a:r>
+              <a:rPr lang="en-US" sz="2400" dirty="0" err="1" smtClean="0">
+                <a:latin typeface="Courier"/>
+                <a:cs typeface="Courier"/>
+              </a:rPr>
+              <a:t>shinyServer</a:t>
+            </a:r>
+            <a:r>
+              <a:rPr lang="en-US" sz="2400" dirty="0" smtClean="0">
+                <a:latin typeface="Courier"/>
+                <a:cs typeface="Courier"/>
+              </a:rPr>
+              <a:t>(function(input, output) {</a:t>
+            </a:r>
+          </a:p>
+          <a:p>
+            <a:pPr marL="0" indent="0">
+              <a:buNone/>
+            </a:pPr>
+            <a:r>
+              <a:rPr lang="en-US" sz="2400" dirty="0" smtClean="0">
+                <a:latin typeface="Courier"/>
+                <a:cs typeface="Courier"/>
+              </a:rPr>
+              <a:t>	## Nothing for now</a:t>
+            </a:r>
+          </a:p>
+          <a:p>
+            <a:pPr marL="0" indent="0">
+              <a:buNone/>
+            </a:pPr>
+            <a:r>
+              <a:rPr lang="en-US" sz="2400" dirty="0" smtClean="0">
+                <a:latin typeface="Courier"/>
+                <a:cs typeface="Courier"/>
+              </a:rPr>
+              <a:t>})</a:t>
+            </a:r>
+          </a:p>
+          <a:p>
+            <a:pPr marL="0" indent="0">
+              <a:buNone/>
+            </a:pPr>
+            <a:endParaRPr lang="en-US" sz="2400" dirty="0" smtClean="0">
+              <a:latin typeface="Courier"/>
+              <a:cs typeface="Courier"/>
+            </a:endParaRPr>
+          </a:p>
+          <a:p>
+            <a:pPr marL="0" indent="0">
+              <a:buNone/>
+            </a:pPr>
+            <a:endParaRPr lang="en-US" sz="2400" dirty="0">
+              <a:latin typeface="Courier"/>
+              <a:cs typeface="Courier"/>
+            </a:endParaRPr>
           </a:p>
         </p:txBody>
       </p:sp>
     </p:spTree>
     <p:extLst>
       <p:ext uri="{BB962C8B-B14F-4D97-AF65-F5344CB8AC3E}">
-        <p14:creationId xmlns:p14="http://schemas.microsoft.com/office/powerpoint/2010/main" val="609782286"/>
+        <p14:creationId xmlns:p14="http://schemas.microsoft.com/office/powerpoint/2010/main" val="1214168349"/>
       </p:ext>
     </p:extLst>
   </p:cSld>
@@ -10021,7 +7160,7 @@
   <p:timing>
     <p:tnLst>
       <p:par>
-        <p:cTn xmlns:p14="http://schemas.microsoft.com/office/powerpoint/2010/main" id="1" dur="indefinite" restart="never" nodeType="tmRoot"/>
+        <p:cTn id="1" dur="indefinite" restart="never" nodeType="tmRoot"/>
       </p:par>
     </p:tnLst>
   </p:timing>
@@ -10062,7 +7201,7 @@
           <a:p>
             <a:r>
               <a:rPr lang="en-US" dirty="0" smtClean="0"/>
-              <a:t>Shiny</a:t>
+              <a:t>Run It!</a:t>
             </a:r>
             <a:endParaRPr lang="en-US" dirty="0"/>
           </a:p>
@@ -10080,44 +7219,56 @@
         </p:nvSpPr>
         <p:spPr/>
         <p:txBody>
-          <a:bodyPr>
-            <a:normAutofit fontScale="85000" lnSpcReduction="20000"/>
-          </a:bodyPr>
+          <a:bodyPr/>
           <a:lstStyle/>
           <a:p>
             <a:r>
               <a:rPr lang="en-US" dirty="0" smtClean="0"/>
-              <a:t>Shiny doesn't really require it, but as with all web programming, a little awareness of HTML, CSS and JavaScript is very helpful</a:t>
-            </a:r>
-          </a:p>
-          <a:p>
+              <a:t>In R, change to the directories with these files and type </a:t>
+            </a:r>
+            <a:r>
+              <a:rPr lang="en-US" dirty="0" err="1" smtClean="0">
+                <a:latin typeface="Courier"/>
+                <a:cs typeface="Courier"/>
+              </a:rPr>
+              <a:t>runApp</a:t>
+            </a:r>
+            <a:r>
+              <a:rPr lang="en-US" dirty="0" smtClean="0">
+                <a:latin typeface="Courier"/>
+                <a:cs typeface="Courier"/>
+              </a:rPr>
+              <a:t>()</a:t>
+            </a:r>
+          </a:p>
+          <a:p>
+            <a:r>
+              <a:rPr lang="en-US" dirty="0"/>
+              <a:t>O</a:t>
+            </a:r>
             <a:r>
               <a:rPr lang="en-US" dirty="0" smtClean="0"/>
-              <a:t>HTML gives a web page structure and sectioning as well as markup instructions</a:t>
+              <a:t>r put the path to the directory as an argument</a:t>
             </a:r>
           </a:p>
           <a:p>
             <a:r>
               <a:rPr lang="en-US" dirty="0" smtClean="0"/>
-              <a:t>CSS describes how content is presented</a:t>
+              <a:t>It should open an browser window with the app running</a:t>
             </a:r>
           </a:p>
           <a:p>
             <a:r>
               <a:rPr lang="en-US" dirty="0" smtClean="0"/>
-              <a:t>JavaScript is for interactivity</a:t>
-            </a:r>
-          </a:p>
-          <a:p>
+              <a:t>In </a:t>
+            </a:r>
+            <a:r>
+              <a:rPr lang="en-US" dirty="0" err="1" smtClean="0"/>
+              <a:t>RStudio</a:t>
+            </a:r>
             <a:r>
               <a:rPr lang="en-US" dirty="0" smtClean="0"/>
-              <a:t>There are too many tutorials online to count for getting basic proficiency in these topics to count.</a:t>
-            </a:r>
-          </a:p>
-          <a:p>
-            <a:r>
-              <a:rPr lang="en-US" dirty="0" smtClean="0"/>
-              <a:t>Shiny uses bootstrap (no relation to the statistics bootstrap) style, which (to me) seems to look nice and renders well on mobile platforms</a:t>
+              <a:t> just click the “Run App” button</a:t>
             </a:r>
             <a:endParaRPr lang="en-US" dirty="0"/>
           </a:p>
@@ -10126,7 +7277,7 @@
     </p:spTree>
     <p:extLst>
       <p:ext uri="{BB962C8B-B14F-4D97-AF65-F5344CB8AC3E}">
-        <p14:creationId xmlns:p14="http://schemas.microsoft.com/office/powerpoint/2010/main" val="2022353633"/>
+        <p14:creationId xmlns:p14="http://schemas.microsoft.com/office/powerpoint/2010/main" val="1718487450"/>
       </p:ext>
     </p:extLst>
   </p:cSld>
@@ -10136,7 +7287,7 @@
   <p:timing>
     <p:tnLst>
       <p:par>
-        <p:cTn xmlns:p14="http://schemas.microsoft.com/office/powerpoint/2010/main" id="1" dur="indefinite" restart="never" nodeType="tmRoot"/>
+        <p:cTn id="1" dur="indefinite" restart="never" nodeType="tmRoot"/>
       </p:par>
     </p:tnLst>
   </p:timing>
@@ -10177,75 +7328,46 @@
           <a:p>
             <a:r>
               <a:rPr lang="en-US" dirty="0" smtClean="0"/>
-              <a:t>A Shiny Project</a:t>
+              <a:t>Result</a:t>
             </a:r>
             <a:endParaRPr lang="en-US" dirty="0"/>
           </a:p>
         </p:txBody>
       </p:sp>
-      <p:sp>
-        <p:nvSpPr>
-          <p:cNvPr id="3" name="Content Placeholder 2"/>
-          <p:cNvSpPr>
-            <a:spLocks noGrp="1"/>
-          </p:cNvSpPr>
-          <p:nvPr>
-            <p:ph idx="1"/>
-          </p:nvPr>
-        </p:nvSpPr>
-        <p:spPr/>
-        <p:txBody>
-          <a:bodyPr>
-            <a:normAutofit/>
-          </a:bodyPr>
-          <a:lstStyle/>
-          <a:p>
-            <a:r>
-              <a:rPr lang="en-US" dirty="0" smtClean="0"/>
-              <a:t>A shiny project is a directory containing at least two parts</a:t>
-            </a:r>
-          </a:p>
-          <a:p>
-            <a:r>
-              <a:rPr lang="en-US" b="1" dirty="0" err="1" smtClean="0"/>
-              <a:t>ui.R</a:t>
-            </a:r>
-            <a:r>
-              <a:rPr lang="en-US" dirty="0" smtClean="0"/>
-              <a:t> (for user interface) controls how it looks</a:t>
-            </a:r>
-          </a:p>
-          <a:p>
-            <a:r>
-              <a:rPr lang="en-US" b="1" dirty="0" err="1" smtClean="0"/>
-              <a:t>server.R</a:t>
-            </a:r>
-            <a:r>
-              <a:rPr lang="en-US" dirty="0" smtClean="0"/>
-              <a:t> controls what it does</a:t>
-            </a:r>
-          </a:p>
-          <a:p>
-            <a:r>
-              <a:rPr lang="en-US" dirty="0" smtClean="0"/>
-              <a:t>Creating a “New Shiny Project” in </a:t>
-            </a:r>
-            <a:r>
-              <a:rPr lang="en-US" dirty="0" err="1" smtClean="0"/>
-              <a:t>RStudio</a:t>
-            </a:r>
-            <a:r>
-              <a:rPr lang="en-US" dirty="0" smtClean="0"/>
-              <a:t> will create these files for you and fill them with example code</a:t>
-            </a:r>
-            <a:endParaRPr lang="en-US" dirty="0"/>
-          </a:p>
-        </p:txBody>
-      </p:sp>
+      <p:pic>
+        <p:nvPicPr>
+          <p:cNvPr id="4" name="Picture 3" descr="Screen Shot 2014-10-23 at 11.40.20 AM.png"/>
+          <p:cNvPicPr>
+            <a:picLocks noChangeAspect="1"/>
+          </p:cNvPicPr>
+          <p:nvPr/>
+        </p:nvPicPr>
+        <p:blipFill>
+          <a:blip r:embed="rId2">
+            <a:extLst>
+              <a:ext uri="{28A0092B-C50C-407E-A947-70E740481C1C}">
+                <a14:useLocalDpi xmlns:a14="http://schemas.microsoft.com/office/drawing/2010/main" val="0"/>
+              </a:ext>
+            </a:extLst>
+          </a:blip>
+          <a:stretch>
+            <a:fillRect/>
+          </a:stretch>
+        </p:blipFill>
+        <p:spPr>
+          <a:xfrm>
+            <a:off x="0" y="1665891"/>
+            <a:ext cx="9144000" cy="4319922"/>
+          </a:xfrm>
+          <a:prstGeom prst="rect">
+            <a:avLst/>
+          </a:prstGeom>
+        </p:spPr>
+      </p:pic>
     </p:spTree>
     <p:extLst>
       <p:ext uri="{BB962C8B-B14F-4D97-AF65-F5344CB8AC3E}">
-        <p14:creationId xmlns:p14="http://schemas.microsoft.com/office/powerpoint/2010/main" val="385903992"/>
+        <p14:creationId xmlns:p14="http://schemas.microsoft.com/office/powerpoint/2010/main" val="113930028"/>
       </p:ext>
     </p:extLst>
   </p:cSld>
@@ -10255,7 +7377,7 @@
   <p:timing>
     <p:tnLst>
       <p:par>
-        <p:cTn xmlns:p14="http://schemas.microsoft.com/office/powerpoint/2010/main" id="1" dur="indefinite" restart="never" nodeType="tmRoot"/>
+        <p:cTn id="1" dur="indefinite" restart="never" nodeType="tmRoot"/>
       </p:par>
     </p:tnLst>
   </p:timing>
